--- a/R Coding presentation.pptx
+++ b/R Coding presentation.pptx
@@ -5,21 +5,19 @@
     <p:sldMasterId id="2147483705" r:id="rId4"/>
   </p:sldMasterIdLst>
   <p:notesMasterIdLst>
-    <p:notesMasterId r:id="rId14"/>
+    <p:notesMasterId r:id="rId12"/>
   </p:notesMasterIdLst>
   <p:handoutMasterIdLst>
-    <p:handoutMasterId r:id="rId15"/>
+    <p:handoutMasterId r:id="rId13"/>
   </p:handoutMasterIdLst>
   <p:sldIdLst>
     <p:sldId id="278" r:id="rId5"/>
     <p:sldId id="282" r:id="rId6"/>
-    <p:sldId id="271" r:id="rId7"/>
-    <p:sldId id="284" r:id="rId8"/>
-    <p:sldId id="293" r:id="rId9"/>
-    <p:sldId id="285" r:id="rId10"/>
-    <p:sldId id="294" r:id="rId11"/>
-    <p:sldId id="288" r:id="rId12"/>
-    <p:sldId id="292" r:id="rId13"/>
+    <p:sldId id="293" r:id="rId7"/>
+    <p:sldId id="285" r:id="rId8"/>
+    <p:sldId id="294" r:id="rId9"/>
+    <p:sldId id="288" r:id="rId10"/>
+    <p:sldId id="271" r:id="rId11"/>
   </p:sldIdLst>
   <p:sldSz cx="12192000" cy="6858000"/>
   <p:notesSz cx="6858000" cy="9144000"/>
@@ -144,19 +142,19 @@
 <pc:chgInfo xmlns:a="http://schemas.openxmlformats.org/drawingml/2006/main" xmlns:r="http://schemas.openxmlformats.org/officeDocument/2006/relationships" xmlns:ac="http://schemas.microsoft.com/office/drawing/2013/main/command" xmlns:pc="http://schemas.microsoft.com/office/powerpoint/2013/main/command">
   <pc:docChgLst>
     <pc:chgData name="Karl Mayo" userId="b3124e7553db0db4" providerId="LiveId" clId="{6FA7D248-6136-41E0-A1EB-A7AB1F7893AC}"/>
-    <pc:docChg chg="undo custSel addSld delSld modSld">
-      <pc:chgData name="Karl Mayo" userId="b3124e7553db0db4" providerId="LiveId" clId="{6FA7D248-6136-41E0-A1EB-A7AB1F7893AC}" dt="2025-05-07T20:46:02.262" v="662" actId="680"/>
+    <pc:docChg chg="undo custSel addSld delSld modSld sldOrd">
+      <pc:chgData name="Karl Mayo" userId="b3124e7553db0db4" providerId="LiveId" clId="{6FA7D248-6136-41E0-A1EB-A7AB1F7893AC}" dt="2025-05-07T23:56:42.350" v="1206" actId="20577"/>
       <pc:docMkLst>
         <pc:docMk/>
       </pc:docMkLst>
-      <pc:sldChg chg="modSp mod">
-        <pc:chgData name="Karl Mayo" userId="b3124e7553db0db4" providerId="LiveId" clId="{6FA7D248-6136-41E0-A1EB-A7AB1F7893AC}" dt="2025-05-07T14:00:12.334" v="401" actId="20577"/>
+      <pc:sldChg chg="modSp mod ord">
+        <pc:chgData name="Karl Mayo" userId="b3124e7553db0db4" providerId="LiveId" clId="{6FA7D248-6136-41E0-A1EB-A7AB1F7893AC}" dt="2025-05-07T23:56:42.350" v="1206" actId="20577"/>
         <pc:sldMkLst>
           <pc:docMk/>
           <pc:sldMk cId="1839748091" sldId="271"/>
         </pc:sldMkLst>
         <pc:spChg chg="mod">
-          <ac:chgData name="Karl Mayo" userId="b3124e7553db0db4" providerId="LiveId" clId="{6FA7D248-6136-41E0-A1EB-A7AB1F7893AC}" dt="2025-05-07T14:00:12.334" v="401" actId="20577"/>
+          <ac:chgData name="Karl Mayo" userId="b3124e7553db0db4" providerId="LiveId" clId="{6FA7D248-6136-41E0-A1EB-A7AB1F7893AC}" dt="2025-05-07T23:56:42.350" v="1206" actId="20577"/>
           <ac:spMkLst>
             <pc:docMk/>
             <pc:sldMk cId="1839748091" sldId="271"/>
@@ -180,13 +178,13 @@
         </pc:spChg>
       </pc:sldChg>
       <pc:sldChg chg="modSp mod">
-        <pc:chgData name="Karl Mayo" userId="b3124e7553db0db4" providerId="LiveId" clId="{6FA7D248-6136-41E0-A1EB-A7AB1F7893AC}" dt="2025-05-07T20:12:32.995" v="546" actId="20577"/>
+        <pc:chgData name="Karl Mayo" userId="b3124e7553db0db4" providerId="LiveId" clId="{6FA7D248-6136-41E0-A1EB-A7AB1F7893AC}" dt="2025-05-07T23:56:16.150" v="1197" actId="20577"/>
         <pc:sldMkLst>
           <pc:docMk/>
           <pc:sldMk cId="2665045518" sldId="282"/>
         </pc:sldMkLst>
         <pc:spChg chg="mod">
-          <ac:chgData name="Karl Mayo" userId="b3124e7553db0db4" providerId="LiveId" clId="{6FA7D248-6136-41E0-A1EB-A7AB1F7893AC}" dt="2025-05-07T13:52:39.719" v="282" actId="20577"/>
+          <ac:chgData name="Karl Mayo" userId="b3124e7553db0db4" providerId="LiveId" clId="{6FA7D248-6136-41E0-A1EB-A7AB1F7893AC}" dt="2025-05-07T23:56:16.150" v="1197" actId="20577"/>
           <ac:spMkLst>
             <pc:docMk/>
             <pc:sldMk cId="2665045518" sldId="282"/>
@@ -194,7 +192,7 @@
           </ac:spMkLst>
         </pc:spChg>
         <pc:spChg chg="mod">
-          <ac:chgData name="Karl Mayo" userId="b3124e7553db0db4" providerId="LiveId" clId="{6FA7D248-6136-41E0-A1EB-A7AB1F7893AC}" dt="2025-05-07T20:12:32.995" v="546" actId="20577"/>
+          <ac:chgData name="Karl Mayo" userId="b3124e7553db0db4" providerId="LiveId" clId="{6FA7D248-6136-41E0-A1EB-A7AB1F7893AC}" dt="2025-05-07T23:45:50.683" v="1172" actId="20577"/>
           <ac:spMkLst>
             <pc:docMk/>
             <pc:sldMk cId="2665045518" sldId="282"/>
@@ -209,14 +207,14 @@
           <pc:sldMk cId="1388592114" sldId="283"/>
         </pc:sldMkLst>
       </pc:sldChg>
-      <pc:sldChg chg="modSp mod">
-        <pc:chgData name="Karl Mayo" userId="b3124e7553db0db4" providerId="LiveId" clId="{6FA7D248-6136-41E0-A1EB-A7AB1F7893AC}" dt="2025-05-07T20:11:39.912" v="474" actId="20577"/>
+      <pc:sldChg chg="modSp del mod">
+        <pc:chgData name="Karl Mayo" userId="b3124e7553db0db4" providerId="LiveId" clId="{6FA7D248-6136-41E0-A1EB-A7AB1F7893AC}" dt="2025-05-07T23:45:14.912" v="1103" actId="2696"/>
         <pc:sldMkLst>
           <pc:docMk/>
           <pc:sldMk cId="652841706" sldId="284"/>
         </pc:sldMkLst>
         <pc:spChg chg="mod">
-          <ac:chgData name="Karl Mayo" userId="b3124e7553db0db4" providerId="LiveId" clId="{6FA7D248-6136-41E0-A1EB-A7AB1F7893AC}" dt="2025-05-07T13:53:35.154" v="337" actId="20577"/>
+          <ac:chgData name="Karl Mayo" userId="b3124e7553db0db4" providerId="LiveId" clId="{6FA7D248-6136-41E0-A1EB-A7AB1F7893AC}" dt="2025-05-07T22:36:01.282" v="686" actId="20577"/>
           <ac:spMkLst>
             <pc:docMk/>
             <pc:sldMk cId="652841706" sldId="284"/>
@@ -224,7 +222,7 @@
           </ac:spMkLst>
         </pc:spChg>
         <pc:spChg chg="mod">
-          <ac:chgData name="Karl Mayo" userId="b3124e7553db0db4" providerId="LiveId" clId="{6FA7D248-6136-41E0-A1EB-A7AB1F7893AC}" dt="2025-05-07T20:11:39.912" v="474" actId="20577"/>
+          <ac:chgData name="Karl Mayo" userId="b3124e7553db0db4" providerId="LiveId" clId="{6FA7D248-6136-41E0-A1EB-A7AB1F7893AC}" dt="2025-05-07T23:41:24.234" v="845" actId="20577"/>
           <ac:spMkLst>
             <pc:docMk/>
             <pc:sldMk cId="652841706" sldId="284"/>
@@ -270,11 +268,19 @@
         </pc:sldMkLst>
       </pc:sldChg>
       <pc:sldChg chg="modSp mod">
-        <pc:chgData name="Karl Mayo" userId="b3124e7553db0db4" providerId="LiveId" clId="{6FA7D248-6136-41E0-A1EB-A7AB1F7893AC}" dt="2025-05-07T20:12:45.889" v="547" actId="20577"/>
+        <pc:chgData name="Karl Mayo" userId="b3124e7553db0db4" providerId="LiveId" clId="{6FA7D248-6136-41E0-A1EB-A7AB1F7893AC}" dt="2025-05-07T23:44:27.285" v="1072" actId="20577"/>
         <pc:sldMkLst>
           <pc:docMk/>
           <pc:sldMk cId="414523832" sldId="288"/>
         </pc:sldMkLst>
+        <pc:spChg chg="mod">
+          <ac:chgData name="Karl Mayo" userId="b3124e7553db0db4" providerId="LiveId" clId="{6FA7D248-6136-41E0-A1EB-A7AB1F7893AC}" dt="2025-05-07T23:44:27.285" v="1072" actId="20577"/>
+          <ac:spMkLst>
+            <pc:docMk/>
+            <pc:sldMk cId="414523832" sldId="288"/>
+            <ac:spMk id="2" creationId="{338A15DE-D135-0710-9984-A0A55E960CB0}"/>
+          </ac:spMkLst>
+        </pc:spChg>
         <pc:spChg chg="mod">
           <ac:chgData name="Karl Mayo" userId="b3124e7553db0db4" providerId="LiveId" clId="{6FA7D248-6136-41E0-A1EB-A7AB1F7893AC}" dt="2025-05-07T20:12:45.889" v="547" actId="20577"/>
           <ac:spMkLst>
@@ -305,8 +311,8 @@
           <pc:sldMk cId="849465297" sldId="291"/>
         </pc:sldMkLst>
       </pc:sldChg>
-      <pc:sldChg chg="modSp mod">
-        <pc:chgData name="Karl Mayo" userId="b3124e7553db0db4" providerId="LiveId" clId="{6FA7D248-6136-41E0-A1EB-A7AB1F7893AC}" dt="2025-05-07T13:59:42.219" v="365" actId="20577"/>
+      <pc:sldChg chg="modSp del mod">
+        <pc:chgData name="Karl Mayo" userId="b3124e7553db0db4" providerId="LiveId" clId="{6FA7D248-6136-41E0-A1EB-A7AB1F7893AC}" dt="2025-05-07T22:37:42.335" v="769" actId="2696"/>
         <pc:sldMkLst>
           <pc:docMk/>
           <pc:sldMk cId="2547630249" sldId="292"/>
@@ -329,7 +335,7 @@
         </pc:spChg>
       </pc:sldChg>
       <pc:sldChg chg="modSp new mod">
-        <pc:chgData name="Karl Mayo" userId="b3124e7553db0db4" providerId="LiveId" clId="{6FA7D248-6136-41E0-A1EB-A7AB1F7893AC}" dt="2025-05-07T20:15:33.945" v="661" actId="1076"/>
+        <pc:chgData name="Karl Mayo" userId="b3124e7553db0db4" providerId="LiveId" clId="{6FA7D248-6136-41E0-A1EB-A7AB1F7893AC}" dt="2025-05-07T23:56:01.990" v="1174" actId="255"/>
         <pc:sldMkLst>
           <pc:docMk/>
           <pc:sldMk cId="1384531614" sldId="293"/>
@@ -343,7 +349,7 @@
           </ac:spMkLst>
         </pc:spChg>
         <pc:spChg chg="mod">
-          <ac:chgData name="Karl Mayo" userId="b3124e7553db0db4" providerId="LiveId" clId="{6FA7D248-6136-41E0-A1EB-A7AB1F7893AC}" dt="2025-05-07T20:15:33.945" v="661" actId="1076"/>
+          <ac:chgData name="Karl Mayo" userId="b3124e7553db0db4" providerId="LiveId" clId="{6FA7D248-6136-41E0-A1EB-A7AB1F7893AC}" dt="2025-05-07T23:56:01.990" v="1174" actId="255"/>
           <ac:spMkLst>
             <pc:docMk/>
             <pc:sldMk cId="1384531614" sldId="293"/>
@@ -351,15 +357,39 @@
           </ac:spMkLst>
         </pc:spChg>
       </pc:sldChg>
-      <pc:sldChg chg="new">
-        <pc:chgData name="Karl Mayo" userId="b3124e7553db0db4" providerId="LiveId" clId="{6FA7D248-6136-41E0-A1EB-A7AB1F7893AC}" dt="2025-05-07T20:46:02.262" v="662" actId="680"/>
+      <pc:sldChg chg="modSp new mod">
+        <pc:chgData name="Karl Mayo" userId="b3124e7553db0db4" providerId="LiveId" clId="{6FA7D248-6136-41E0-A1EB-A7AB1F7893AC}" dt="2025-05-07T22:36:50.311" v="756" actId="20577"/>
         <pc:sldMkLst>
           <pc:docMk/>
           <pc:sldMk cId="2217804380" sldId="294"/>
         </pc:sldMkLst>
+        <pc:spChg chg="mod">
+          <ac:chgData name="Karl Mayo" userId="b3124e7553db0db4" providerId="LiveId" clId="{6FA7D248-6136-41E0-A1EB-A7AB1F7893AC}" dt="2025-05-07T22:36:42.642" v="753" actId="20577"/>
+          <ac:spMkLst>
+            <pc:docMk/>
+            <pc:sldMk cId="2217804380" sldId="294"/>
+            <ac:spMk id="2" creationId="{4C35CB4D-4E67-61D0-FA05-2E28B5FF16E5}"/>
+          </ac:spMkLst>
+        </pc:spChg>
+        <pc:spChg chg="mod">
+          <ac:chgData name="Karl Mayo" userId="b3124e7553db0db4" providerId="LiveId" clId="{6FA7D248-6136-41E0-A1EB-A7AB1F7893AC}" dt="2025-05-07T22:36:28.485" v="704" actId="20577"/>
+          <ac:spMkLst>
+            <pc:docMk/>
+            <pc:sldMk cId="2217804380" sldId="294"/>
+            <ac:spMk id="3" creationId="{41F8B982-0E88-BEB6-2454-9831130B673F}"/>
+          </ac:spMkLst>
+        </pc:spChg>
+        <pc:spChg chg="mod">
+          <ac:chgData name="Karl Mayo" userId="b3124e7553db0db4" providerId="LiveId" clId="{6FA7D248-6136-41E0-A1EB-A7AB1F7893AC}" dt="2025-05-07T22:36:50.311" v="756" actId="20577"/>
+          <ac:spMkLst>
+            <pc:docMk/>
+            <pc:sldMk cId="2217804380" sldId="294"/>
+            <ac:spMk id="4" creationId="{37CCD1B8-087F-8AEA-17D9-F6AC062689FC}"/>
+          </ac:spMkLst>
+        </pc:spChg>
       </pc:sldChg>
       <pc:sldMasterChg chg="delSldLayout">
-        <pc:chgData name="Karl Mayo" userId="b3124e7553db0db4" providerId="LiveId" clId="{6FA7D248-6136-41E0-A1EB-A7AB1F7893AC}" dt="2025-05-07T13:59:51.765" v="366" actId="2696"/>
+        <pc:chgData name="Karl Mayo" userId="b3124e7553db0db4" providerId="LiveId" clId="{6FA7D248-6136-41E0-A1EB-A7AB1F7893AC}" dt="2025-05-07T22:37:42.335" v="769" actId="2696"/>
         <pc:sldMasterMkLst>
           <pc:docMk/>
           <pc:sldMasterMk cId="4222058729" sldId="2147483705"/>
@@ -402,6 +432,14 @@
             <pc:docMk/>
             <pc:sldMasterMk cId="4222058729" sldId="2147483705"/>
             <pc:sldLayoutMk cId="2176689082" sldId="2147483727"/>
+          </pc:sldLayoutMkLst>
+        </pc:sldLayoutChg>
+        <pc:sldLayoutChg chg="del">
+          <pc:chgData name="Karl Mayo" userId="b3124e7553db0db4" providerId="LiveId" clId="{6FA7D248-6136-41E0-A1EB-A7AB1F7893AC}" dt="2025-05-07T22:37:42.335" v="769" actId="2696"/>
+          <pc:sldLayoutMkLst>
+            <pc:docMk/>
+            <pc:sldMasterMk cId="4222058729" sldId="2147483705"/>
+            <pc:sldLayoutMk cId="3940739189" sldId="2147483728"/>
           </pc:sldLayoutMkLst>
         </pc:sldLayoutChg>
       </pc:sldMasterChg>
@@ -1181,7 +1219,7 @@
           <a:p>
             <a:fld id="{E7AF00E9-A49D-4007-B3B9-A3783809E505}" type="slidenum">
               <a:rPr lang="en-US" smtClean="0"/>
-              <a:t>3</a:t>
+              <a:t>4</a:t>
             </a:fld>
             <a:endParaRPr lang="en-US" dirty="0"/>
           </a:p>
@@ -1190,7 +1228,7 @@
     </p:spTree>
     <p:extLst>
       <p:ext uri="{BB962C8B-B14F-4D97-AF65-F5344CB8AC3E}">
-        <p14:creationId xmlns:p14="http://schemas.microsoft.com/office/powerpoint/2010/main" val="603191752"/>
+        <p14:creationId xmlns:p14="http://schemas.microsoft.com/office/powerpoint/2010/main" val="433056707"/>
       </p:ext>
     </p:extLst>
   </p:cSld>
@@ -1265,7 +1303,7 @@
           <a:p>
             <a:fld id="{E7AF00E9-A49D-4007-B3B9-A3783809E505}" type="slidenum">
               <a:rPr lang="en-US" smtClean="0"/>
-              <a:t>4</a:t>
+              <a:t>7</a:t>
             </a:fld>
             <a:endParaRPr lang="en-US" dirty="0"/>
           </a:p>
@@ -1274,91 +1312,7 @@
     </p:spTree>
     <p:extLst>
       <p:ext uri="{BB962C8B-B14F-4D97-AF65-F5344CB8AC3E}">
-        <p14:creationId xmlns:p14="http://schemas.microsoft.com/office/powerpoint/2010/main" val="386789978"/>
-      </p:ext>
-    </p:extLst>
-  </p:cSld>
-  <p:clrMapOvr>
-    <a:masterClrMapping/>
-  </p:clrMapOvr>
-</p:notes>
-</file>
-
-<file path=ppt/notesSlides/notesSlide5.xml><?xml version="1.0" encoding="utf-8"?>
-<p:notes xmlns:a="http://schemas.openxmlformats.org/drawingml/2006/main" xmlns:r="http://schemas.openxmlformats.org/officeDocument/2006/relationships" xmlns:p="http://schemas.openxmlformats.org/presentationml/2006/main">
-  <p:cSld>
-    <p:spTree>
-      <p:nvGrpSpPr>
-        <p:cNvPr id="1" name=""/>
-        <p:cNvGrpSpPr/>
-        <p:nvPr/>
-      </p:nvGrpSpPr>
-      <p:grpSpPr>
-        <a:xfrm>
-          <a:off x="0" y="0"/>
-          <a:ext cx="0" cy="0"/>
-          <a:chOff x="0" y="0"/>
-          <a:chExt cx="0" cy="0"/>
-        </a:xfrm>
-      </p:grpSpPr>
-      <p:sp>
-        <p:nvSpPr>
-          <p:cNvPr id="2" name="Slide Image Placeholder 1"/>
-          <p:cNvSpPr>
-            <a:spLocks noGrp="1" noRot="1" noChangeAspect="1"/>
-          </p:cNvSpPr>
-          <p:nvPr>
-            <p:ph type="sldImg"/>
-          </p:nvPr>
-        </p:nvSpPr>
-        <p:spPr/>
-      </p:sp>
-      <p:sp>
-        <p:nvSpPr>
-          <p:cNvPr id="3" name="Notes Placeholder 2"/>
-          <p:cNvSpPr>
-            <a:spLocks noGrp="1"/>
-          </p:cNvSpPr>
-          <p:nvPr>
-            <p:ph type="body" idx="1"/>
-          </p:nvPr>
-        </p:nvSpPr>
-        <p:spPr/>
-        <p:txBody>
-          <a:bodyPr/>
-          <a:lstStyle/>
-          <a:p>
-            <a:endParaRPr lang="en-US" dirty="0"/>
-          </a:p>
-        </p:txBody>
-      </p:sp>
-      <p:sp>
-        <p:nvSpPr>
-          <p:cNvPr id="4" name="Slide Number Placeholder 3"/>
-          <p:cNvSpPr>
-            <a:spLocks noGrp="1"/>
-          </p:cNvSpPr>
-          <p:nvPr>
-            <p:ph type="sldNum" sz="quarter" idx="5"/>
-          </p:nvPr>
-        </p:nvSpPr>
-        <p:spPr/>
-        <p:txBody>
-          <a:bodyPr/>
-          <a:lstStyle/>
-          <a:p>
-            <a:fld id="{E7AF00E9-A49D-4007-B3B9-A3783809E505}" type="slidenum">
-              <a:rPr lang="en-US" smtClean="0"/>
-              <a:t>6</a:t>
-            </a:fld>
-            <a:endParaRPr lang="en-US" dirty="0"/>
-          </a:p>
-        </p:txBody>
-      </p:sp>
-    </p:spTree>
-    <p:extLst>
-      <p:ext uri="{BB962C8B-B14F-4D97-AF65-F5344CB8AC3E}">
-        <p14:creationId xmlns:p14="http://schemas.microsoft.com/office/powerpoint/2010/main" val="433056707"/>
+        <p14:creationId xmlns:p14="http://schemas.microsoft.com/office/powerpoint/2010/main" val="603191752"/>
       </p:ext>
     </p:extLst>
   </p:cSld>
@@ -7718,1174 +7672,6 @@
 </p:sldLayout>
 </file>
 
-<file path=ppt/slideLayouts/slideLayout18.xml><?xml version="1.0" encoding="utf-8"?>
-<p:sldLayout xmlns:a="http://schemas.openxmlformats.org/drawingml/2006/main" xmlns:r="http://schemas.openxmlformats.org/officeDocument/2006/relationships" xmlns:p="http://schemas.openxmlformats.org/presentationml/2006/main" userDrawn="1">
-  <p:cSld name="Closing">
-    <p:spTree>
-      <p:nvGrpSpPr>
-        <p:cNvPr id="1" name=""/>
-        <p:cNvGrpSpPr/>
-        <p:nvPr/>
-      </p:nvGrpSpPr>
-      <p:grpSpPr>
-        <a:xfrm>
-          <a:off x="0" y="0"/>
-          <a:ext cx="0" cy="0"/>
-          <a:chOff x="0" y="0"/>
-          <a:chExt cx="0" cy="0"/>
-        </a:xfrm>
-      </p:grpSpPr>
-      <p:sp>
-        <p:nvSpPr>
-          <p:cNvPr id="7" name="Oval 6">
-            <a:extLst>
-              <a:ext uri="{FF2B5EF4-FFF2-40B4-BE49-F238E27FC236}">
-                <a16:creationId xmlns:a16="http://schemas.microsoft.com/office/drawing/2014/main" id="{E57989ED-9663-5033-AA83-267069FC5CEE}"/>
-              </a:ext>
-              <a:ext uri="{C183D7F6-B498-43B3-948B-1728B52AA6E4}">
-                <adec:decorative xmlns:adec="http://schemas.microsoft.com/office/drawing/2017/decorative" val="1"/>
-              </a:ext>
-            </a:extLst>
-          </p:cNvPr>
-          <p:cNvSpPr>
-            <a:spLocks noChangeAspect="1"/>
-          </p:cNvSpPr>
-          <p:nvPr userDrawn="1"/>
-        </p:nvSpPr>
-        <p:spPr>
-          <a:xfrm>
-            <a:off x="5303845" y="5427212"/>
-            <a:ext cx="1080000" cy="1080000"/>
-          </a:xfrm>
-          <a:prstGeom prst="ellipse">
-            <a:avLst/>
-          </a:prstGeom>
-          <a:gradFill flip="none" rotWithShape="1">
-            <a:gsLst>
-              <a:gs pos="100000">
-                <a:schemeClr val="bg2">
-                  <a:lumMod val="50000"/>
-                  <a:lumOff val="50000"/>
-                </a:schemeClr>
-              </a:gs>
-              <a:gs pos="60000">
-                <a:schemeClr val="bg2">
-                  <a:lumMod val="100000"/>
-                </a:schemeClr>
-              </a:gs>
-            </a:gsLst>
-            <a:path path="circle">
-              <a:fillToRect l="100000" b="100000"/>
-            </a:path>
-            <a:tileRect t="-100000" r="-100000"/>
-          </a:gradFill>
-          <a:ln>
-            <a:noFill/>
-          </a:ln>
-          <a:effectLst>
-            <a:innerShdw blurRad="254000" dist="127000" dir="2700000">
-              <a:schemeClr val="accent1">
-                <a:lumMod val="60000"/>
-                <a:lumOff val="40000"/>
-                <a:alpha val="40000"/>
-              </a:schemeClr>
-            </a:innerShdw>
-            <a:softEdge rad="0"/>
-          </a:effectLst>
-        </p:spPr>
-        <p:style>
-          <a:lnRef idx="2">
-            <a:schemeClr val="accent1">
-              <a:shade val="50000"/>
-            </a:schemeClr>
-          </a:lnRef>
-          <a:fillRef idx="1">
-            <a:schemeClr val="accent1"/>
-          </a:fillRef>
-          <a:effectRef idx="0">
-            <a:schemeClr val="accent1"/>
-          </a:effectRef>
-          <a:fontRef idx="minor">
-            <a:schemeClr val="lt1"/>
-          </a:fontRef>
-        </p:style>
-        <p:txBody>
-          <a:bodyPr rot="0" spcFirstLastPara="0" vertOverflow="overflow" horzOverflow="overflow" vert="horz" wrap="square" lIns="91440" tIns="45720" rIns="91440" bIns="45720" numCol="1" spcCol="0" rtlCol="0" fromWordArt="0" anchor="ctr" anchorCtr="0" forceAA="0" compatLnSpc="1">
-            <a:prstTxWarp prst="textNoShape">
-              <a:avLst/>
-            </a:prstTxWarp>
-            <a:noAutofit/>
-          </a:bodyPr>
-          <a:lstStyle/>
-          <a:p>
-            <a:pPr algn="ctr"/>
-            <a:endParaRPr lang="en-US" dirty="0"/>
-          </a:p>
-        </p:txBody>
-      </p:sp>
-      <p:sp>
-        <p:nvSpPr>
-          <p:cNvPr id="2" name="Title 1">
-            <a:extLst>
-              <a:ext uri="{FF2B5EF4-FFF2-40B4-BE49-F238E27FC236}">
-                <a16:creationId xmlns:a16="http://schemas.microsoft.com/office/drawing/2014/main" id="{B1A4B040-51E3-4DA0-B21D-EEE173E7536F}"/>
-              </a:ext>
-            </a:extLst>
-          </p:cNvPr>
-          <p:cNvSpPr>
-            <a:spLocks noGrp="1"/>
-          </p:cNvSpPr>
-          <p:nvPr>
-            <p:ph type="title" hasCustomPrompt="1"/>
-          </p:nvPr>
-        </p:nvSpPr>
-        <p:spPr>
-          <a:xfrm>
-            <a:off x="549536" y="549274"/>
-            <a:ext cx="5179330" cy="2841829"/>
-          </a:xfrm>
-        </p:spPr>
-        <p:txBody>
-          <a:bodyPr vert="horz" wrap="square" lIns="0" tIns="0" rIns="0" bIns="0" rtlCol="0" anchor="b" anchorCtr="0">
-            <a:normAutofit/>
-          </a:bodyPr>
-          <a:lstStyle>
-            <a:lvl1pPr>
-              <a:defRPr lang="en-US" sz="5400" dirty="0"/>
-            </a:lvl1pPr>
-          </a:lstStyle>
-          <a:p>
-            <a:pPr lvl="0">
-              <a:lnSpc>
-                <a:spcPct val="100000"/>
-              </a:lnSpc>
-            </a:pPr>
-            <a:r>
-              <a:rPr lang="en-US" dirty="0"/>
-              <a:t>Click to add title</a:t>
-            </a:r>
-          </a:p>
-        </p:txBody>
-      </p:sp>
-      <p:sp>
-        <p:nvSpPr>
-          <p:cNvPr id="3" name="Content Placeholder 2">
-            <a:extLst>
-              <a:ext uri="{FF2B5EF4-FFF2-40B4-BE49-F238E27FC236}">
-                <a16:creationId xmlns:a16="http://schemas.microsoft.com/office/drawing/2014/main" id="{F8A2CD90-429B-4A55-B6C8-DD6CE6994118}"/>
-              </a:ext>
-            </a:extLst>
-          </p:cNvPr>
-          <p:cNvSpPr>
-            <a:spLocks noGrp="1"/>
-          </p:cNvSpPr>
-          <p:nvPr>
-            <p:ph idx="1" hasCustomPrompt="1"/>
-          </p:nvPr>
-        </p:nvSpPr>
-        <p:spPr>
-          <a:xfrm>
-            <a:off x="549537" y="3646704"/>
-            <a:ext cx="5179330" cy="2706160"/>
-          </a:xfrm>
-        </p:spPr>
-        <p:txBody>
-          <a:bodyPr>
-            <a:normAutofit/>
-          </a:bodyPr>
-          <a:lstStyle>
-            <a:lvl1pPr marL="0" indent="0">
-              <a:spcBef>
-                <a:spcPts val="1000"/>
-              </a:spcBef>
-              <a:buNone/>
-              <a:defRPr sz="1800">
-                <a:solidFill>
-                  <a:schemeClr val="tx1"/>
-                </a:solidFill>
-              </a:defRPr>
-            </a:lvl1pPr>
-            <a:lvl2pPr marL="457200" indent="0">
-              <a:spcBef>
-                <a:spcPts val="1000"/>
-              </a:spcBef>
-              <a:buNone/>
-              <a:defRPr sz="1200">
-                <a:solidFill>
-                  <a:schemeClr val="tx1"/>
-                </a:solidFill>
-              </a:defRPr>
-            </a:lvl2pPr>
-            <a:lvl3pPr marL="914400" indent="0">
-              <a:spcBef>
-                <a:spcPts val="1000"/>
-              </a:spcBef>
-              <a:buNone/>
-              <a:defRPr sz="1200">
-                <a:solidFill>
-                  <a:schemeClr val="tx1"/>
-                </a:solidFill>
-              </a:defRPr>
-            </a:lvl3pPr>
-            <a:lvl4pPr marL="1371600" indent="0">
-              <a:spcBef>
-                <a:spcPts val="1000"/>
-              </a:spcBef>
-              <a:buNone/>
-              <a:defRPr sz="1200">
-                <a:solidFill>
-                  <a:schemeClr val="tx1"/>
-                </a:solidFill>
-              </a:defRPr>
-            </a:lvl4pPr>
-            <a:lvl5pPr marL="1828800" indent="0">
-              <a:spcBef>
-                <a:spcPts val="1000"/>
-              </a:spcBef>
-              <a:buNone/>
-              <a:defRPr sz="1200">
-                <a:solidFill>
-                  <a:schemeClr val="tx1"/>
-                </a:solidFill>
-              </a:defRPr>
-            </a:lvl5pPr>
-          </a:lstStyle>
-          <a:p>
-            <a:pPr lvl="0"/>
-            <a:r>
-              <a:rPr lang="en-US" dirty="0"/>
-              <a:t>Click to add content</a:t>
-            </a:r>
-          </a:p>
-          <a:p>
-            <a:pPr lvl="1"/>
-            <a:r>
-              <a:rPr lang="en-US" dirty="0"/>
-              <a:t>Second level</a:t>
-            </a:r>
-          </a:p>
-          <a:p>
-            <a:pPr lvl="2"/>
-            <a:r>
-              <a:rPr lang="en-US" dirty="0"/>
-              <a:t>Third level</a:t>
-            </a:r>
-          </a:p>
-          <a:p>
-            <a:pPr lvl="3"/>
-            <a:r>
-              <a:rPr lang="en-US" dirty="0"/>
-              <a:t>Fourth level</a:t>
-            </a:r>
-          </a:p>
-          <a:p>
-            <a:pPr lvl="4"/>
-            <a:r>
-              <a:rPr lang="en-US" dirty="0"/>
-              <a:t>Fifth level</a:t>
-            </a:r>
-          </a:p>
-        </p:txBody>
-      </p:sp>
-      <p:sp>
-        <p:nvSpPr>
-          <p:cNvPr id="20" name="Picture Placeholder 19">
-            <a:extLst>
-              <a:ext uri="{FF2B5EF4-FFF2-40B4-BE49-F238E27FC236}">
-                <a16:creationId xmlns:a16="http://schemas.microsoft.com/office/drawing/2014/main" id="{5392876F-0BBD-F80A-DE7F-8831AD3BF353}"/>
-              </a:ext>
-            </a:extLst>
-          </p:cNvPr>
-          <p:cNvSpPr>
-            <a:spLocks noGrp="1"/>
-          </p:cNvSpPr>
-          <p:nvPr>
-            <p:ph type="pic" sz="quarter" idx="13" hasCustomPrompt="1"/>
-          </p:nvPr>
-        </p:nvSpPr>
-        <p:spPr>
-          <a:xfrm>
-            <a:off x="5926138" y="549275"/>
-            <a:ext cx="5654675" cy="5788025"/>
-          </a:xfrm>
-        </p:spPr>
-        <p:txBody>
-          <a:bodyPr>
-            <a:normAutofit/>
-          </a:bodyPr>
-          <a:lstStyle>
-            <a:lvl1pPr marL="0" indent="0" algn="ctr">
-              <a:buNone/>
-              <a:defRPr sz="2000">
-                <a:solidFill>
-                  <a:schemeClr val="tx1"/>
-                </a:solidFill>
-              </a:defRPr>
-            </a:lvl1pPr>
-          </a:lstStyle>
-          <a:p>
-            <a:r>
-              <a:rPr lang="en-US" dirty="0"/>
-              <a:t>Click icon to insert picture</a:t>
-            </a:r>
-          </a:p>
-        </p:txBody>
-      </p:sp>
-      <p:grpSp>
-        <p:nvGrpSpPr>
-          <p:cNvPr id="9" name="Group 8">
-            <a:extLst>
-              <a:ext uri="{FF2B5EF4-FFF2-40B4-BE49-F238E27FC236}">
-                <a16:creationId xmlns:a16="http://schemas.microsoft.com/office/drawing/2014/main" id="{64E08E8E-10CB-55BC-8AFF-E64C800B9F89}"/>
-              </a:ext>
-              <a:ext uri="{C183D7F6-B498-43B3-948B-1728B52AA6E4}">
-                <adec:decorative xmlns:adec="http://schemas.microsoft.com/office/drawing/2017/decorative" val="1"/>
-              </a:ext>
-            </a:extLst>
-          </p:cNvPr>
-          <p:cNvGrpSpPr/>
-          <p:nvPr userDrawn="1"/>
-        </p:nvGrpSpPr>
-        <p:grpSpPr>
-          <a:xfrm>
-            <a:off x="594036" y="5610392"/>
-            <a:ext cx="667802" cy="631474"/>
-            <a:chOff x="10478914" y="1506691"/>
-            <a:chExt cx="667802" cy="631474"/>
-          </a:xfrm>
-        </p:grpSpPr>
-        <p:sp>
-          <p:nvSpPr>
-            <p:cNvPr id="10" name="Freeform: Shape 15">
-              <a:extLst>
-                <a:ext uri="{FF2B5EF4-FFF2-40B4-BE49-F238E27FC236}">
-                  <a16:creationId xmlns:a16="http://schemas.microsoft.com/office/drawing/2014/main" id="{B439260B-AC6B-1C83-1A63-058A7E7EFCC9}"/>
-                </a:ext>
-              </a:extLst>
-            </p:cNvPr>
-            <p:cNvSpPr>
-              <a:spLocks noChangeAspect="1"/>
-            </p:cNvSpPr>
-            <p:nvPr/>
-          </p:nvSpPr>
-          <p:spPr>
-            <a:xfrm rot="8100000">
-              <a:off x="10606715" y="1506691"/>
-              <a:ext cx="540001" cy="631474"/>
-            </a:xfrm>
-            <a:custGeom>
-              <a:avLst/>
-              <a:gdLst>
-                <a:gd name="connsiteX0" fmla="*/ 540000 w 1080000"/>
-                <a:gd name="connsiteY0" fmla="*/ 0 h 1262947"/>
-                <a:gd name="connsiteX1" fmla="*/ 1080000 w 1080000"/>
-                <a:gd name="connsiteY1" fmla="*/ 931034 h 1262947"/>
-                <a:gd name="connsiteX2" fmla="*/ 1064374 w 1080000"/>
-                <a:gd name="connsiteY2" fmla="*/ 931034 h 1262947"/>
-                <a:gd name="connsiteX3" fmla="*/ 1069029 w 1080000"/>
-                <a:gd name="connsiteY3" fmla="*/ 938533 h 1262947"/>
-                <a:gd name="connsiteX4" fmla="*/ 1080000 w 1080000"/>
-                <a:gd name="connsiteY4" fmla="*/ 992947 h 1262947"/>
-                <a:gd name="connsiteX5" fmla="*/ 540000 w 1080000"/>
-                <a:gd name="connsiteY5" fmla="*/ 1262947 h 1262947"/>
-                <a:gd name="connsiteX6" fmla="*/ 0 w 1080000"/>
-                <a:gd name="connsiteY6" fmla="*/ 992947 h 1262947"/>
-                <a:gd name="connsiteX7" fmla="*/ 10971 w 1080000"/>
-                <a:gd name="connsiteY7" fmla="*/ 938533 h 1262947"/>
-                <a:gd name="connsiteX8" fmla="*/ 15626 w 1080000"/>
-                <a:gd name="connsiteY8" fmla="*/ 931034 h 1262947"/>
-                <a:gd name="connsiteX9" fmla="*/ 0 w 1080000"/>
-                <a:gd name="connsiteY9" fmla="*/ 931034 h 1262947"/>
-                <a:gd name="connsiteX0" fmla="*/ 540000 w 1080000"/>
-                <a:gd name="connsiteY0" fmla="*/ 0 h 1262947"/>
-                <a:gd name="connsiteX1" fmla="*/ 1080000 w 1080000"/>
-                <a:gd name="connsiteY1" fmla="*/ 931034 h 1262947"/>
-                <a:gd name="connsiteX2" fmla="*/ 1064374 w 1080000"/>
-                <a:gd name="connsiteY2" fmla="*/ 931034 h 1262947"/>
-                <a:gd name="connsiteX3" fmla="*/ 1069029 w 1080000"/>
-                <a:gd name="connsiteY3" fmla="*/ 938533 h 1262947"/>
-                <a:gd name="connsiteX4" fmla="*/ 1080000 w 1080000"/>
-                <a:gd name="connsiteY4" fmla="*/ 992947 h 1262947"/>
-                <a:gd name="connsiteX5" fmla="*/ 540000 w 1080000"/>
-                <a:gd name="connsiteY5" fmla="*/ 1262947 h 1262947"/>
-                <a:gd name="connsiteX6" fmla="*/ 0 w 1080000"/>
-                <a:gd name="connsiteY6" fmla="*/ 992947 h 1262947"/>
-                <a:gd name="connsiteX7" fmla="*/ 10971 w 1080000"/>
-                <a:gd name="connsiteY7" fmla="*/ 938533 h 1262947"/>
-                <a:gd name="connsiteX8" fmla="*/ 15626 w 1080000"/>
-                <a:gd name="connsiteY8" fmla="*/ 931034 h 1262947"/>
-                <a:gd name="connsiteX9" fmla="*/ 540000 w 1080000"/>
-                <a:gd name="connsiteY9" fmla="*/ 0 h 1262947"/>
-                <a:gd name="connsiteX0" fmla="*/ 540000 w 1080000"/>
-                <a:gd name="connsiteY0" fmla="*/ 0 h 1262947"/>
-                <a:gd name="connsiteX1" fmla="*/ 1064374 w 1080000"/>
-                <a:gd name="connsiteY1" fmla="*/ 931034 h 1262947"/>
-                <a:gd name="connsiteX2" fmla="*/ 1069029 w 1080000"/>
-                <a:gd name="connsiteY2" fmla="*/ 938533 h 1262947"/>
-                <a:gd name="connsiteX3" fmla="*/ 1080000 w 1080000"/>
-                <a:gd name="connsiteY3" fmla="*/ 992947 h 1262947"/>
-                <a:gd name="connsiteX4" fmla="*/ 540000 w 1080000"/>
-                <a:gd name="connsiteY4" fmla="*/ 1262947 h 1262947"/>
-                <a:gd name="connsiteX5" fmla="*/ 0 w 1080000"/>
-                <a:gd name="connsiteY5" fmla="*/ 992947 h 1262947"/>
-                <a:gd name="connsiteX6" fmla="*/ 10971 w 1080000"/>
-                <a:gd name="connsiteY6" fmla="*/ 938533 h 1262947"/>
-                <a:gd name="connsiteX7" fmla="*/ 15626 w 1080000"/>
-                <a:gd name="connsiteY7" fmla="*/ 931034 h 1262947"/>
-                <a:gd name="connsiteX8" fmla="*/ 540000 w 1080000"/>
-                <a:gd name="connsiteY8" fmla="*/ 0 h 1262947"/>
-              </a:gdLst>
-              <a:ahLst/>
-              <a:cxnLst>
-                <a:cxn ang="0">
-                  <a:pos x="connsiteX0" y="connsiteY0"/>
-                </a:cxn>
-                <a:cxn ang="0">
-                  <a:pos x="connsiteX1" y="connsiteY1"/>
-                </a:cxn>
-                <a:cxn ang="0">
-                  <a:pos x="connsiteX2" y="connsiteY2"/>
-                </a:cxn>
-                <a:cxn ang="0">
-                  <a:pos x="connsiteX3" y="connsiteY3"/>
-                </a:cxn>
-                <a:cxn ang="0">
-                  <a:pos x="connsiteX4" y="connsiteY4"/>
-                </a:cxn>
-                <a:cxn ang="0">
-                  <a:pos x="connsiteX5" y="connsiteY5"/>
-                </a:cxn>
-                <a:cxn ang="0">
-                  <a:pos x="connsiteX6" y="connsiteY6"/>
-                </a:cxn>
-                <a:cxn ang="0">
-                  <a:pos x="connsiteX7" y="connsiteY7"/>
-                </a:cxn>
-                <a:cxn ang="0">
-                  <a:pos x="connsiteX8" y="connsiteY8"/>
-                </a:cxn>
-              </a:cxnLst>
-              <a:rect l="l" t="t" r="r" b="b"/>
-              <a:pathLst>
-                <a:path w="1080000" h="1262947">
-                  <a:moveTo>
-                    <a:pt x="540000" y="0"/>
-                  </a:moveTo>
-                  <a:lnTo>
-                    <a:pt x="1064374" y="931034"/>
-                  </a:lnTo>
-                  <a:lnTo>
-                    <a:pt x="1069029" y="938533"/>
-                  </a:lnTo>
-                  <a:cubicBezTo>
-                    <a:pt x="1076223" y="956109"/>
-                    <a:pt x="1080000" y="974307"/>
-                    <a:pt x="1080000" y="992947"/>
-                  </a:cubicBezTo>
-                  <a:cubicBezTo>
-                    <a:pt x="1080000" y="1142064"/>
-                    <a:pt x="838234" y="1262947"/>
-                    <a:pt x="540000" y="1262947"/>
-                  </a:cubicBezTo>
-                  <a:cubicBezTo>
-                    <a:pt x="241766" y="1262947"/>
-                    <a:pt x="0" y="1142064"/>
-                    <a:pt x="0" y="992947"/>
-                  </a:cubicBezTo>
-                  <a:cubicBezTo>
-                    <a:pt x="0" y="974307"/>
-                    <a:pt x="3778" y="956109"/>
-                    <a:pt x="10971" y="938533"/>
-                  </a:cubicBezTo>
-                  <a:lnTo>
-                    <a:pt x="15626" y="931034"/>
-                  </a:lnTo>
-                  <a:lnTo>
-                    <a:pt x="540000" y="0"/>
-                  </a:lnTo>
-                  <a:close/>
-                </a:path>
-              </a:pathLst>
-            </a:custGeom>
-            <a:gradFill>
-              <a:gsLst>
-                <a:gs pos="60000">
-                  <a:schemeClr val="bg2">
-                    <a:lumMod val="90000"/>
-                    <a:lumOff val="10000"/>
-                  </a:schemeClr>
-                </a:gs>
-                <a:gs pos="30000">
-                  <a:schemeClr val="bg2">
-                    <a:lumMod val="90000"/>
-                    <a:lumOff val="10000"/>
-                  </a:schemeClr>
-                </a:gs>
-                <a:gs pos="40000">
-                  <a:schemeClr val="bg2">
-                    <a:lumMod val="80000"/>
-                    <a:lumOff val="20000"/>
-                  </a:schemeClr>
-                </a:gs>
-                <a:gs pos="100000">
-                  <a:schemeClr val="bg2"/>
-                </a:gs>
-              </a:gsLst>
-              <a:lin ang="600000" scaled="0"/>
-            </a:gradFill>
-            <a:ln>
-              <a:noFill/>
-            </a:ln>
-            <a:effectLst>
-              <a:innerShdw blurRad="101600" dist="50800" dir="7320000">
-                <a:schemeClr val="accent1">
-                  <a:lumMod val="60000"/>
-                  <a:lumOff val="40000"/>
-                  <a:alpha val="20000"/>
-                </a:schemeClr>
-              </a:innerShdw>
-            </a:effectLst>
-          </p:spPr>
-          <p:style>
-            <a:lnRef idx="2">
-              <a:schemeClr val="accent1">
-                <a:shade val="50000"/>
-              </a:schemeClr>
-            </a:lnRef>
-            <a:fillRef idx="1">
-              <a:schemeClr val="accent1"/>
-            </a:fillRef>
-            <a:effectRef idx="0">
-              <a:schemeClr val="accent1"/>
-            </a:effectRef>
-            <a:fontRef idx="minor">
-              <a:schemeClr val="lt1"/>
-            </a:fontRef>
-          </p:style>
-          <p:txBody>
-            <a:bodyPr rot="0" spcFirstLastPara="0" vertOverflow="overflow" horzOverflow="overflow" vert="horz" wrap="square" lIns="91440" tIns="45720" rIns="91440" bIns="45720" numCol="1" spcCol="0" rtlCol="0" fromWordArt="0" anchor="ctr" anchorCtr="0" forceAA="0" compatLnSpc="1">
-              <a:prstTxWarp prst="textNoShape">
-                <a:avLst/>
-              </a:prstTxWarp>
-              <a:noAutofit/>
-            </a:bodyPr>
-            <a:lstStyle/>
-            <a:p>
-              <a:pPr algn="ctr"/>
-              <a:endParaRPr lang="en-US" dirty="0"/>
-            </a:p>
-          </p:txBody>
-        </p:sp>
-        <p:sp>
-          <p:nvSpPr>
-            <p:cNvPr id="11" name="Oval 10">
-              <a:extLst>
-                <a:ext uri="{FF2B5EF4-FFF2-40B4-BE49-F238E27FC236}">
-                  <a16:creationId xmlns:a16="http://schemas.microsoft.com/office/drawing/2014/main" id="{4ADD32DC-9BAF-DA32-4E29-A6D403E04377}"/>
-                </a:ext>
-              </a:extLst>
-            </p:cNvPr>
-            <p:cNvSpPr/>
-            <p:nvPr/>
-          </p:nvSpPr>
-          <p:spPr>
-            <a:xfrm rot="13500000">
-              <a:off x="10613915" y="1424627"/>
-              <a:ext cx="270000" cy="540001"/>
-            </a:xfrm>
-            <a:prstGeom prst="ellipse">
-              <a:avLst/>
-            </a:prstGeom>
-            <a:solidFill>
-              <a:schemeClr val="bg2">
-                <a:lumMod val="90000"/>
-                <a:lumOff val="10000"/>
-              </a:schemeClr>
-            </a:solidFill>
-            <a:ln>
-              <a:noFill/>
-            </a:ln>
-            <a:effectLst>
-              <a:innerShdw blurRad="1270000" dist="2540000">
-                <a:schemeClr val="accent1">
-                  <a:lumMod val="60000"/>
-                  <a:lumOff val="40000"/>
-                  <a:alpha val="0"/>
-                </a:schemeClr>
-              </a:innerShdw>
-            </a:effectLst>
-          </p:spPr>
-          <p:style>
-            <a:lnRef idx="2">
-              <a:schemeClr val="accent1">
-                <a:shade val="50000"/>
-              </a:schemeClr>
-            </a:lnRef>
-            <a:fillRef idx="1">
-              <a:schemeClr val="accent1"/>
-            </a:fillRef>
-            <a:effectRef idx="0">
-              <a:schemeClr val="accent1"/>
-            </a:effectRef>
-            <a:fontRef idx="minor">
-              <a:schemeClr val="lt1"/>
-            </a:fontRef>
-          </p:style>
-          <p:txBody>
-            <a:bodyPr rot="0" spcFirstLastPara="0" vertOverflow="overflow" horzOverflow="overflow" vert="horz" wrap="square" lIns="91440" tIns="45720" rIns="91440" bIns="45720" numCol="1" spcCol="0" rtlCol="0" fromWordArt="0" anchor="ctr" anchorCtr="0" forceAA="0" compatLnSpc="1">
-              <a:prstTxWarp prst="textNoShape">
-                <a:avLst/>
-              </a:prstTxWarp>
-              <a:noAutofit/>
-            </a:bodyPr>
-            <a:lstStyle/>
-            <a:p>
-              <a:pPr algn="ctr"/>
-              <a:endParaRPr lang="en-US" dirty="0"/>
-            </a:p>
-          </p:txBody>
-        </p:sp>
-      </p:grpSp>
-      <p:grpSp>
-        <p:nvGrpSpPr>
-          <p:cNvPr id="12" name="Group 11">
-            <a:extLst>
-              <a:ext uri="{FF2B5EF4-FFF2-40B4-BE49-F238E27FC236}">
-                <a16:creationId xmlns:a16="http://schemas.microsoft.com/office/drawing/2014/main" id="{3BDBC526-6DCD-4FF6-8395-D8C22E46E527}"/>
-              </a:ext>
-              <a:ext uri="{C183D7F6-B498-43B3-948B-1728B52AA6E4}">
-                <adec:decorative xmlns:adec="http://schemas.microsoft.com/office/drawing/2017/decorative" val="1"/>
-              </a:ext>
-            </a:extLst>
-          </p:cNvPr>
-          <p:cNvGrpSpPr/>
-          <p:nvPr/>
-        </p:nvGrpSpPr>
-        <p:grpSpPr>
-          <a:xfrm>
-            <a:off x="613998" y="5334748"/>
-            <a:ext cx="678135" cy="990000"/>
-            <a:chOff x="10490969" y="1448827"/>
-            <a:chExt cx="678135" cy="990000"/>
-          </a:xfrm>
-        </p:grpSpPr>
-        <p:sp>
-          <p:nvSpPr>
-            <p:cNvPr id="13" name="Freeform: Shape 12">
-              <a:extLst>
-                <a:ext uri="{FF2B5EF4-FFF2-40B4-BE49-F238E27FC236}">
-                  <a16:creationId xmlns:a16="http://schemas.microsoft.com/office/drawing/2014/main" id="{02ECB475-568C-47AC-B16D-2E202DEB2DE0}"/>
-                </a:ext>
-              </a:extLst>
-            </p:cNvPr>
-            <p:cNvSpPr>
-              <a:spLocks noChangeAspect="1"/>
-            </p:cNvSpPr>
-            <p:nvPr/>
-          </p:nvSpPr>
-          <p:spPr>
-            <a:xfrm rot="2700000" flipH="1" flipV="1">
-              <a:off x="10268976" y="1743588"/>
-              <a:ext cx="926985" cy="463493"/>
-            </a:xfrm>
-            <a:custGeom>
-              <a:avLst/>
-              <a:gdLst>
-                <a:gd name="connsiteX0" fmla="*/ 1329373 w 2658746"/>
-                <a:gd name="connsiteY0" fmla="*/ 0 h 1329373"/>
-                <a:gd name="connsiteX1" fmla="*/ 2658746 w 2658746"/>
-                <a:gd name="connsiteY1" fmla="*/ 1329373 h 1329373"/>
-                <a:gd name="connsiteX2" fmla="*/ 1994059 w 2658746"/>
-                <a:gd name="connsiteY2" fmla="*/ 1329373 h 1329373"/>
-                <a:gd name="connsiteX3" fmla="*/ 1329373 w 2658746"/>
-                <a:gd name="connsiteY3" fmla="*/ 664687 h 1329373"/>
-                <a:gd name="connsiteX4" fmla="*/ 664687 w 2658746"/>
-                <a:gd name="connsiteY4" fmla="*/ 1329373 h 1329373"/>
-                <a:gd name="connsiteX5" fmla="*/ 0 w 2658746"/>
-                <a:gd name="connsiteY5" fmla="*/ 1329373 h 1329373"/>
-                <a:gd name="connsiteX6" fmla="*/ 1329373 w 2658746"/>
-                <a:gd name="connsiteY6" fmla="*/ 0 h 1329373"/>
-              </a:gdLst>
-              <a:ahLst/>
-              <a:cxnLst>
-                <a:cxn ang="0">
-                  <a:pos x="connsiteX0" y="connsiteY0"/>
-                </a:cxn>
-                <a:cxn ang="0">
-                  <a:pos x="connsiteX1" y="connsiteY1"/>
-                </a:cxn>
-                <a:cxn ang="0">
-                  <a:pos x="connsiteX2" y="connsiteY2"/>
-                </a:cxn>
-                <a:cxn ang="0">
-                  <a:pos x="connsiteX3" y="connsiteY3"/>
-                </a:cxn>
-                <a:cxn ang="0">
-                  <a:pos x="connsiteX4" y="connsiteY4"/>
-                </a:cxn>
-                <a:cxn ang="0">
-                  <a:pos x="connsiteX5" y="connsiteY5"/>
-                </a:cxn>
-                <a:cxn ang="0">
-                  <a:pos x="connsiteX6" y="connsiteY6"/>
-                </a:cxn>
-              </a:cxnLst>
-              <a:rect l="l" t="t" r="r" b="b"/>
-              <a:pathLst>
-                <a:path w="2658746" h="1329373">
-                  <a:moveTo>
-                    <a:pt x="1329373" y="0"/>
-                  </a:moveTo>
-                  <a:cubicBezTo>
-                    <a:pt x="2063565" y="0"/>
-                    <a:pt x="2658746" y="595181"/>
-                    <a:pt x="2658746" y="1329373"/>
-                  </a:cubicBezTo>
-                  <a:lnTo>
-                    <a:pt x="1994059" y="1329373"/>
-                  </a:lnTo>
-                  <a:cubicBezTo>
-                    <a:pt x="1994059" y="962277"/>
-                    <a:pt x="1696469" y="664687"/>
-                    <a:pt x="1329373" y="664687"/>
-                  </a:cubicBezTo>
-                  <a:cubicBezTo>
-                    <a:pt x="962277" y="664687"/>
-                    <a:pt x="664687" y="962277"/>
-                    <a:pt x="664687" y="1329373"/>
-                  </a:cubicBezTo>
-                  <a:lnTo>
-                    <a:pt x="0" y="1329373"/>
-                  </a:lnTo>
-                  <a:cubicBezTo>
-                    <a:pt x="0" y="595181"/>
-                    <a:pt x="595181" y="0"/>
-                    <a:pt x="1329373" y="0"/>
-                  </a:cubicBezTo>
-                  <a:close/>
-                </a:path>
-              </a:pathLst>
-            </a:custGeom>
-            <a:solidFill>
-              <a:schemeClr val="bg2"/>
-            </a:solidFill>
-            <a:ln>
-              <a:noFill/>
-            </a:ln>
-            <a:effectLst>
-              <a:innerShdw blurRad="127000" dist="50800" dir="13500000">
-                <a:schemeClr val="accent1">
-                  <a:lumMod val="40000"/>
-                  <a:lumOff val="60000"/>
-                  <a:alpha val="20000"/>
-                </a:schemeClr>
-              </a:innerShdw>
-            </a:effectLst>
-          </p:spPr>
-          <p:style>
-            <a:lnRef idx="2">
-              <a:schemeClr val="accent1">
-                <a:shade val="50000"/>
-              </a:schemeClr>
-            </a:lnRef>
-            <a:fillRef idx="1">
-              <a:schemeClr val="accent1"/>
-            </a:fillRef>
-            <a:effectRef idx="0">
-              <a:schemeClr val="accent1"/>
-            </a:effectRef>
-            <a:fontRef idx="minor">
-              <a:schemeClr val="lt1"/>
-            </a:fontRef>
-          </p:style>
-          <p:txBody>
-            <a:bodyPr rtlCol="0" anchor="ctr"/>
-            <a:lstStyle/>
-            <a:p>
-              <a:pPr algn="ctr"/>
-              <a:endParaRPr lang="en-US" dirty="0">
-                <a:solidFill>
-                  <a:schemeClr val="tx1"/>
-                </a:solidFill>
-              </a:endParaRPr>
-            </a:p>
-          </p:txBody>
-        </p:sp>
-        <p:sp>
-          <p:nvSpPr>
-            <p:cNvPr id="14" name="Oval 13">
-              <a:extLst>
-                <a:ext uri="{FF2B5EF4-FFF2-40B4-BE49-F238E27FC236}">
-                  <a16:creationId xmlns:a16="http://schemas.microsoft.com/office/drawing/2014/main" id="{080D8764-525A-441E-B58F-068E82F09714}"/>
-                </a:ext>
-              </a:extLst>
-            </p:cNvPr>
-            <p:cNvSpPr/>
-            <p:nvPr/>
-          </p:nvSpPr>
-          <p:spPr>
-            <a:xfrm rot="8100000" flipH="1" flipV="1">
-              <a:off x="11115555" y="1939340"/>
-              <a:ext cx="53549" cy="233295"/>
-            </a:xfrm>
-            <a:prstGeom prst="ellipse">
-              <a:avLst/>
-            </a:prstGeom>
-            <a:solidFill>
-              <a:schemeClr val="bg2">
-                <a:lumMod val="90000"/>
-                <a:lumOff val="10000"/>
-              </a:schemeClr>
-            </a:solidFill>
-            <a:ln>
-              <a:noFill/>
-            </a:ln>
-            <a:effectLst>
-              <a:innerShdw blurRad="63500" dist="2540000">
-                <a:schemeClr val="accent1">
-                  <a:lumMod val="60000"/>
-                  <a:lumOff val="40000"/>
-                  <a:alpha val="0"/>
-                </a:schemeClr>
-              </a:innerShdw>
-            </a:effectLst>
-          </p:spPr>
-          <p:style>
-            <a:lnRef idx="2">
-              <a:schemeClr val="accent1">
-                <a:shade val="50000"/>
-              </a:schemeClr>
-            </a:lnRef>
-            <a:fillRef idx="1">
-              <a:schemeClr val="accent1"/>
-            </a:fillRef>
-            <a:effectRef idx="0">
-              <a:schemeClr val="accent1"/>
-            </a:effectRef>
-            <a:fontRef idx="minor">
-              <a:schemeClr val="lt1"/>
-            </a:fontRef>
-          </p:style>
-          <p:txBody>
-            <a:bodyPr rot="0" spcFirstLastPara="0" vertOverflow="overflow" horzOverflow="overflow" vert="horz" wrap="square" lIns="91440" tIns="45720" rIns="91440" bIns="45720" numCol="1" spcCol="0" rtlCol="0" fromWordArt="0" anchor="ctr" anchorCtr="0" forceAA="0" compatLnSpc="1">
-              <a:prstTxWarp prst="textNoShape">
-                <a:avLst/>
-              </a:prstTxWarp>
-              <a:noAutofit/>
-            </a:bodyPr>
-            <a:lstStyle/>
-            <a:p>
-              <a:pPr algn="ctr"/>
-              <a:endParaRPr lang="en-US" dirty="0"/>
-            </a:p>
-          </p:txBody>
-        </p:sp>
-        <p:sp>
-          <p:nvSpPr>
-            <p:cNvPr id="15" name="Oval 14">
-              <a:extLst>
-                <a:ext uri="{FF2B5EF4-FFF2-40B4-BE49-F238E27FC236}">
-                  <a16:creationId xmlns:a16="http://schemas.microsoft.com/office/drawing/2014/main" id="{11196109-6F2B-4738-B2FC-2CCC753AABD4}"/>
-                </a:ext>
-              </a:extLst>
-            </p:cNvPr>
-            <p:cNvSpPr/>
-            <p:nvPr/>
-          </p:nvSpPr>
-          <p:spPr>
-            <a:xfrm rot="8100000" flipH="1" flipV="1">
-              <a:off x="10625042" y="1448827"/>
-              <a:ext cx="53549" cy="233295"/>
-            </a:xfrm>
-            <a:prstGeom prst="ellipse">
-              <a:avLst/>
-            </a:prstGeom>
-            <a:solidFill>
-              <a:schemeClr val="bg2">
-                <a:lumMod val="90000"/>
-                <a:lumOff val="10000"/>
-              </a:schemeClr>
-            </a:solidFill>
-            <a:ln>
-              <a:noFill/>
-            </a:ln>
-            <a:effectLst>
-              <a:innerShdw blurRad="63500" dist="2540000">
-                <a:schemeClr val="accent1">
-                  <a:lumMod val="60000"/>
-                  <a:lumOff val="40000"/>
-                  <a:alpha val="0"/>
-                </a:schemeClr>
-              </a:innerShdw>
-            </a:effectLst>
-          </p:spPr>
-          <p:style>
-            <a:lnRef idx="2">
-              <a:schemeClr val="accent1">
-                <a:shade val="50000"/>
-              </a:schemeClr>
-            </a:lnRef>
-            <a:fillRef idx="1">
-              <a:schemeClr val="accent1"/>
-            </a:fillRef>
-            <a:effectRef idx="0">
-              <a:schemeClr val="accent1"/>
-            </a:effectRef>
-            <a:fontRef idx="minor">
-              <a:schemeClr val="lt1"/>
-            </a:fontRef>
-          </p:style>
-          <p:txBody>
-            <a:bodyPr rot="0" spcFirstLastPara="0" vertOverflow="overflow" horzOverflow="overflow" vert="horz" wrap="square" lIns="91440" tIns="45720" rIns="91440" bIns="45720" numCol="1" spcCol="0" rtlCol="0" fromWordArt="0" anchor="ctr" anchorCtr="0" forceAA="0" compatLnSpc="1">
-              <a:prstTxWarp prst="textNoShape">
-                <a:avLst/>
-              </a:prstTxWarp>
-              <a:noAutofit/>
-            </a:bodyPr>
-            <a:lstStyle/>
-            <a:p>
-              <a:pPr algn="ctr"/>
-              <a:endParaRPr lang="en-US" dirty="0"/>
-            </a:p>
-          </p:txBody>
-        </p:sp>
-        <p:sp>
-          <p:nvSpPr>
-            <p:cNvPr id="16" name="Freeform: Shape 15">
-              <a:extLst>
-                <a:ext uri="{FF2B5EF4-FFF2-40B4-BE49-F238E27FC236}">
-                  <a16:creationId xmlns:a16="http://schemas.microsoft.com/office/drawing/2014/main" id="{F7E468C2-69B8-470B-85E3-801A3CB1D7E2}"/>
-                </a:ext>
-              </a:extLst>
-            </p:cNvPr>
-            <p:cNvSpPr>
-              <a:spLocks noChangeAspect="1"/>
-            </p:cNvSpPr>
-            <p:nvPr/>
-          </p:nvSpPr>
-          <p:spPr>
-            <a:xfrm rot="2700000" flipH="1" flipV="1">
-              <a:off x="10292519" y="1686748"/>
-              <a:ext cx="926985" cy="530086"/>
-            </a:xfrm>
-            <a:custGeom>
-              <a:avLst/>
-              <a:gdLst>
-                <a:gd name="connsiteX0" fmla="*/ 1329373 w 2658746"/>
-                <a:gd name="connsiteY0" fmla="*/ 0 h 1329373"/>
-                <a:gd name="connsiteX1" fmla="*/ 2658746 w 2658746"/>
-                <a:gd name="connsiteY1" fmla="*/ 1329373 h 1329373"/>
-                <a:gd name="connsiteX2" fmla="*/ 1994059 w 2658746"/>
-                <a:gd name="connsiteY2" fmla="*/ 1329373 h 1329373"/>
-                <a:gd name="connsiteX3" fmla="*/ 1329373 w 2658746"/>
-                <a:gd name="connsiteY3" fmla="*/ 664687 h 1329373"/>
-                <a:gd name="connsiteX4" fmla="*/ 664687 w 2658746"/>
-                <a:gd name="connsiteY4" fmla="*/ 1329373 h 1329373"/>
-                <a:gd name="connsiteX5" fmla="*/ 0 w 2658746"/>
-                <a:gd name="connsiteY5" fmla="*/ 1329373 h 1329373"/>
-                <a:gd name="connsiteX6" fmla="*/ 1329373 w 2658746"/>
-                <a:gd name="connsiteY6" fmla="*/ 0 h 1329373"/>
-              </a:gdLst>
-              <a:ahLst/>
-              <a:cxnLst>
-                <a:cxn ang="0">
-                  <a:pos x="connsiteX0" y="connsiteY0"/>
-                </a:cxn>
-                <a:cxn ang="0">
-                  <a:pos x="connsiteX1" y="connsiteY1"/>
-                </a:cxn>
-                <a:cxn ang="0">
-                  <a:pos x="connsiteX2" y="connsiteY2"/>
-                </a:cxn>
-                <a:cxn ang="0">
-                  <a:pos x="connsiteX3" y="connsiteY3"/>
-                </a:cxn>
-                <a:cxn ang="0">
-                  <a:pos x="connsiteX4" y="connsiteY4"/>
-                </a:cxn>
-                <a:cxn ang="0">
-                  <a:pos x="connsiteX5" y="connsiteY5"/>
-                </a:cxn>
-                <a:cxn ang="0">
-                  <a:pos x="connsiteX6" y="connsiteY6"/>
-                </a:cxn>
-              </a:cxnLst>
-              <a:rect l="l" t="t" r="r" b="b"/>
-              <a:pathLst>
-                <a:path w="2658746" h="1329373">
-                  <a:moveTo>
-                    <a:pt x="1329373" y="0"/>
-                  </a:moveTo>
-                  <a:cubicBezTo>
-                    <a:pt x="2063565" y="0"/>
-                    <a:pt x="2658746" y="595181"/>
-                    <a:pt x="2658746" y="1329373"/>
-                  </a:cubicBezTo>
-                  <a:lnTo>
-                    <a:pt x="1994059" y="1329373"/>
-                  </a:lnTo>
-                  <a:cubicBezTo>
-                    <a:pt x="1994059" y="962277"/>
-                    <a:pt x="1696469" y="664687"/>
-                    <a:pt x="1329373" y="664687"/>
-                  </a:cubicBezTo>
-                  <a:cubicBezTo>
-                    <a:pt x="962277" y="664687"/>
-                    <a:pt x="664687" y="962277"/>
-                    <a:pt x="664687" y="1329373"/>
-                  </a:cubicBezTo>
-                  <a:lnTo>
-                    <a:pt x="0" y="1329373"/>
-                  </a:lnTo>
-                  <a:cubicBezTo>
-                    <a:pt x="0" y="595181"/>
-                    <a:pt x="595181" y="0"/>
-                    <a:pt x="1329373" y="0"/>
-                  </a:cubicBezTo>
-                  <a:close/>
-                </a:path>
-              </a:pathLst>
-            </a:custGeom>
-            <a:solidFill>
-              <a:schemeClr val="bg2">
-                <a:lumMod val="50000"/>
-                <a:lumOff val="50000"/>
-                <a:alpha val="20000"/>
-              </a:schemeClr>
-            </a:solidFill>
-            <a:ln>
-              <a:noFill/>
-            </a:ln>
-            <a:effectLst>
-              <a:softEdge rad="101600"/>
-            </a:effectLst>
-          </p:spPr>
-          <p:style>
-            <a:lnRef idx="2">
-              <a:schemeClr val="accent1">
-                <a:shade val="50000"/>
-              </a:schemeClr>
-            </a:lnRef>
-            <a:fillRef idx="1">
-              <a:schemeClr val="accent1"/>
-            </a:fillRef>
-            <a:effectRef idx="0">
-              <a:schemeClr val="accent1"/>
-            </a:effectRef>
-            <a:fontRef idx="minor">
-              <a:schemeClr val="lt1"/>
-            </a:fontRef>
-          </p:style>
-          <p:txBody>
-            <a:bodyPr rtlCol="0" anchor="ctr"/>
-            <a:lstStyle/>
-            <a:p>
-              <a:pPr algn="ctr"/>
-              <a:endParaRPr lang="en-US" dirty="0">
-                <a:solidFill>
-                  <a:schemeClr val="tx1"/>
-                </a:solidFill>
-              </a:endParaRPr>
-            </a:p>
-          </p:txBody>
-        </p:sp>
-      </p:grpSp>
-      <p:sp>
-        <p:nvSpPr>
-          <p:cNvPr id="4" name="Date Placeholder 3">
-            <a:extLst>
-              <a:ext uri="{FF2B5EF4-FFF2-40B4-BE49-F238E27FC236}">
-                <a16:creationId xmlns:a16="http://schemas.microsoft.com/office/drawing/2014/main" id="{4D4EE704-5DCA-484E-85E0-0E3A7B1C5046}"/>
-              </a:ext>
-            </a:extLst>
-          </p:cNvPr>
-          <p:cNvSpPr>
-            <a:spLocks noGrp="1"/>
-          </p:cNvSpPr>
-          <p:nvPr>
-            <p:ph type="dt" sz="half" idx="10"/>
-          </p:nvPr>
-        </p:nvSpPr>
-        <p:spPr/>
-        <p:txBody>
-          <a:bodyPr/>
-          <a:lstStyle/>
-          <a:p>
-            <a:r>
-              <a:rPr lang="en-US"/>
-              <a:t>20XX</a:t>
-            </a:r>
-            <a:endParaRPr lang="en-US" dirty="0"/>
-          </a:p>
-        </p:txBody>
-      </p:sp>
-      <p:sp>
-        <p:nvSpPr>
-          <p:cNvPr id="5" name="Footer Placeholder 4">
-            <a:extLst>
-              <a:ext uri="{FF2B5EF4-FFF2-40B4-BE49-F238E27FC236}">
-                <a16:creationId xmlns:a16="http://schemas.microsoft.com/office/drawing/2014/main" id="{4CA69B66-1C18-44A2-93F7-97DED26F24AB}"/>
-              </a:ext>
-            </a:extLst>
-          </p:cNvPr>
-          <p:cNvSpPr>
-            <a:spLocks noGrp="1"/>
-          </p:cNvSpPr>
-          <p:nvPr>
-            <p:ph type="ftr" sz="quarter" idx="11"/>
-          </p:nvPr>
-        </p:nvSpPr>
-        <p:spPr/>
-        <p:txBody>
-          <a:bodyPr/>
-          <a:lstStyle/>
-          <a:p>
-            <a:endParaRPr lang="en-US" dirty="0"/>
-          </a:p>
-        </p:txBody>
-      </p:sp>
-      <p:sp>
-        <p:nvSpPr>
-          <p:cNvPr id="6" name="Slide Number Placeholder 5">
-            <a:extLst>
-              <a:ext uri="{FF2B5EF4-FFF2-40B4-BE49-F238E27FC236}">
-                <a16:creationId xmlns:a16="http://schemas.microsoft.com/office/drawing/2014/main" id="{7E44B5A0-66FA-433A-8DC5-C097C63B4DFC}"/>
-              </a:ext>
-            </a:extLst>
-          </p:cNvPr>
-          <p:cNvSpPr>
-            <a:spLocks noGrp="1"/>
-          </p:cNvSpPr>
-          <p:nvPr>
-            <p:ph type="sldNum" sz="quarter" idx="12"/>
-          </p:nvPr>
-        </p:nvSpPr>
-        <p:spPr/>
-        <p:txBody>
-          <a:bodyPr/>
-          <a:lstStyle/>
-          <a:p>
-            <a:fld id="{DBA1B0FB-D917-4C8C-928F-313BD683BF39}" type="slidenum">
-              <a:rPr lang="en-US" smtClean="0"/>
-              <a:t>‹#›</a:t>
-            </a:fld>
-            <a:endParaRPr lang="en-US" dirty="0"/>
-          </a:p>
-        </p:txBody>
-      </p:sp>
-    </p:spTree>
-    <p:extLst>
-      <p:ext uri="{BB962C8B-B14F-4D97-AF65-F5344CB8AC3E}">
-        <p14:creationId xmlns:p14="http://schemas.microsoft.com/office/powerpoint/2010/main" val="3940739189"/>
-      </p:ext>
-    </p:extLst>
-  </p:cSld>
-  <p:clrMapOvr>
-    <a:masterClrMapping/>
-  </p:clrMapOvr>
-</p:sldLayout>
-</file>
-
 <file path=ppt/slideLayouts/slideLayout2.xml><?xml version="1.0" encoding="utf-8"?>
 <p:sldLayout xmlns:a="http://schemas.openxmlformats.org/drawingml/2006/main" xmlns:r="http://schemas.openxmlformats.org/officeDocument/2006/relationships" xmlns:p="http://schemas.openxmlformats.org/presentationml/2006/main" type="obj" preserve="1">
   <p:cSld name="Title and Content">
@@ -14738,7 +13524,6 @@
     <p:sldLayoutId id="2147483721" r:id="rId15"/>
     <p:sldLayoutId id="2147483722" r:id="rId16"/>
     <p:sldLayoutId id="2147483724" r:id="rId17"/>
-    <p:sldLayoutId id="2147483728" r:id="rId18"/>
   </p:sldLayoutIdLst>
   <p:hf sldNum="0" hdr="0" ftr="0" dt="0"/>
   <p:txStyles>
@@ -15400,7 +14185,7 @@
           <a:p>
             <a:r>
               <a:rPr lang="en-US" dirty="0"/>
-              <a:t>Overview</a:t>
+              <a:t>What are we doing here?</a:t>
             </a:r>
           </a:p>
         </p:txBody>
@@ -15438,15 +14223,7 @@
             </a:r>
             <a:r>
               <a:rPr lang="en-US" dirty="0"/>
-              <a:t>: Explore patterns in the human genome using the </a:t>
-            </a:r>
-            <a:r>
-              <a:rPr lang="en-US" dirty="0" err="1"/>
-              <a:t>GTEx</a:t>
-            </a:r>
-            <a:r>
-              <a:rPr lang="en-US" dirty="0"/>
-              <a:t> dataset</a:t>
+              <a:t>: See if there are any interesting differences in the amygdala based on</a:t>
             </a:r>
           </a:p>
           <a:p>
@@ -15460,7 +14237,7 @@
             </a:r>
             <a:r>
               <a:rPr lang="en-US" dirty="0"/>
-              <a:t>: Median Gene data, Gene composition by tissue</a:t>
+              <a:t>: Median Gene data, Gene composition by tissue,  Amygdala, [what is it for age?]</a:t>
             </a:r>
           </a:p>
           <a:p>
@@ -15482,7 +14259,7 @@
             </a:r>
             <a:r>
               <a:rPr lang="en-US" dirty="0"/>
-              <a:t>, visualization, regression, clustering</a:t>
+              <a:t>, visualization, heat maps</a:t>
             </a:r>
           </a:p>
         </p:txBody>
@@ -15501,178 +14278,6 @@
 </file>
 
 <file path=ppt/slides/slide3.xml><?xml version="1.0" encoding="utf-8"?>
-<p:sld xmlns:a="http://schemas.openxmlformats.org/drawingml/2006/main" xmlns:r="http://schemas.openxmlformats.org/officeDocument/2006/relationships" xmlns:p="http://schemas.openxmlformats.org/presentationml/2006/main">
-  <p:cSld>
-    <p:spTree>
-      <p:nvGrpSpPr>
-        <p:cNvPr id="1" name=""/>
-        <p:cNvGrpSpPr/>
-        <p:nvPr/>
-      </p:nvGrpSpPr>
-      <p:grpSpPr>
-        <a:xfrm>
-          <a:off x="0" y="0"/>
-          <a:ext cx="0" cy="0"/>
-          <a:chOff x="0" y="0"/>
-          <a:chExt cx="0" cy="0"/>
-        </a:xfrm>
-      </p:grpSpPr>
-      <p:sp>
-        <p:nvSpPr>
-          <p:cNvPr id="3" name="Title 2">
-            <a:extLst>
-              <a:ext uri="{FF2B5EF4-FFF2-40B4-BE49-F238E27FC236}">
-                <a16:creationId xmlns:a16="http://schemas.microsoft.com/office/drawing/2014/main" id="{A0034E89-1952-5288-08A0-70A4A73BE39E}"/>
-              </a:ext>
-            </a:extLst>
-          </p:cNvPr>
-          <p:cNvSpPr>
-            <a:spLocks noGrp="1"/>
-          </p:cNvSpPr>
-          <p:nvPr>
-            <p:ph type="ctrTitle"/>
-          </p:nvPr>
-        </p:nvSpPr>
-        <p:spPr>
-          <a:noFill/>
-        </p:spPr>
-        <p:txBody>
-          <a:bodyPr anchor="ctr"/>
-          <a:lstStyle/>
-          <a:p>
-            <a:r>
-              <a:rPr lang="en-US" dirty="0"/>
-              <a:t>(I just like this picture, okay)</a:t>
-            </a:r>
-          </a:p>
-        </p:txBody>
-      </p:sp>
-      <p:pic>
-        <p:nvPicPr>
-          <p:cNvPr id="11" name="Picture Placeholder 15" descr="Data points digital background">
-            <a:extLst>
-              <a:ext uri="{FF2B5EF4-FFF2-40B4-BE49-F238E27FC236}">
-                <a16:creationId xmlns:a16="http://schemas.microsoft.com/office/drawing/2014/main" id="{A496DCE5-C34A-22C2-A9D8-E90DFC8CE86C}"/>
-              </a:ext>
-            </a:extLst>
-          </p:cNvPr>
-          <p:cNvPicPr>
-            <a:picLocks noGrp="1" noChangeAspect="1"/>
-          </p:cNvPicPr>
-          <p:nvPr>
-            <p:ph type="pic" sz="quarter" idx="13"/>
-          </p:nvPr>
-        </p:nvPicPr>
-        <p:blipFill rotWithShape="1">
-          <a:blip r:embed="rId3" cstate="screen">
-            <a:extLst>
-              <a:ext uri="{28A0092B-C50C-407E-A947-70E740481C1C}">
-                <a14:useLocalDpi xmlns:a14="http://schemas.microsoft.com/office/drawing/2010/main" val="0"/>
-              </a:ext>
-            </a:extLst>
-          </a:blip>
-          <a:srcRect t="52" b="52"/>
-          <a:stretch/>
-        </p:blipFill>
-        <p:spPr/>
-      </p:pic>
-    </p:spTree>
-    <p:extLst>
-      <p:ext uri="{BB962C8B-B14F-4D97-AF65-F5344CB8AC3E}">
-        <p14:creationId xmlns:p14="http://schemas.microsoft.com/office/powerpoint/2010/main" val="1839748091"/>
-      </p:ext>
-    </p:extLst>
-  </p:cSld>
-  <p:clrMapOvr>
-    <a:masterClrMapping/>
-  </p:clrMapOvr>
-</p:sld>
-</file>
-
-<file path=ppt/slides/slide4.xml><?xml version="1.0" encoding="utf-8"?>
-<p:sld xmlns:a="http://schemas.openxmlformats.org/drawingml/2006/main" xmlns:r="http://schemas.openxmlformats.org/officeDocument/2006/relationships" xmlns:p="http://schemas.openxmlformats.org/presentationml/2006/main">
-  <p:cSld>
-    <p:spTree>
-      <p:nvGrpSpPr>
-        <p:cNvPr id="1" name=""/>
-        <p:cNvGrpSpPr/>
-        <p:nvPr/>
-      </p:nvGrpSpPr>
-      <p:grpSpPr>
-        <a:xfrm>
-          <a:off x="0" y="0"/>
-          <a:ext cx="0" cy="0"/>
-          <a:chOff x="0" y="0"/>
-          <a:chExt cx="0" cy="0"/>
-        </a:xfrm>
-      </p:grpSpPr>
-      <p:sp>
-        <p:nvSpPr>
-          <p:cNvPr id="2" name="Title 1">
-            <a:extLst>
-              <a:ext uri="{FF2B5EF4-FFF2-40B4-BE49-F238E27FC236}">
-                <a16:creationId xmlns:a16="http://schemas.microsoft.com/office/drawing/2014/main" id="{1C72343A-9CB0-F2AD-EF62-5DEE3E97F956}"/>
-              </a:ext>
-            </a:extLst>
-          </p:cNvPr>
-          <p:cNvSpPr>
-            <a:spLocks noGrp="1"/>
-          </p:cNvSpPr>
-          <p:nvPr>
-            <p:ph type="title"/>
-          </p:nvPr>
-        </p:nvSpPr>
-        <p:spPr/>
-        <p:txBody>
-          <a:bodyPr/>
-          <a:lstStyle/>
-          <a:p>
-            <a:r>
-              <a:rPr lang="en-US" dirty="0"/>
-              <a:t>Diving into the data</a:t>
-            </a:r>
-          </a:p>
-        </p:txBody>
-      </p:sp>
-      <p:sp>
-        <p:nvSpPr>
-          <p:cNvPr id="3" name="Content Placeholder 2">
-            <a:extLst>
-              <a:ext uri="{FF2B5EF4-FFF2-40B4-BE49-F238E27FC236}">
-                <a16:creationId xmlns:a16="http://schemas.microsoft.com/office/drawing/2014/main" id="{1C6744DD-5BC8-42C8-4313-13CE95ED575B}"/>
-              </a:ext>
-            </a:extLst>
-          </p:cNvPr>
-          <p:cNvSpPr>
-            <a:spLocks noGrp="1"/>
-          </p:cNvSpPr>
-          <p:nvPr>
-            <p:ph idx="1"/>
-          </p:nvPr>
-        </p:nvSpPr>
-        <p:spPr/>
-        <p:txBody>
-          <a:bodyPr/>
-          <a:lstStyle/>
-          <a:p>
-            <a:endParaRPr lang="en-US" dirty="0"/>
-          </a:p>
-        </p:txBody>
-      </p:sp>
-    </p:spTree>
-    <p:extLst>
-      <p:ext uri="{BB962C8B-B14F-4D97-AF65-F5344CB8AC3E}">
-        <p14:creationId xmlns:p14="http://schemas.microsoft.com/office/powerpoint/2010/main" val="652841706"/>
-      </p:ext>
-    </p:extLst>
-  </p:cSld>
-  <p:clrMapOvr>
-    <a:masterClrMapping/>
-  </p:clrMapOvr>
-</p:sld>
-</file>
-
-<file path=ppt/slides/slide5.xml><?xml version="1.0" encoding="utf-8"?>
 <p:sld xmlns:a="http://schemas.openxmlformats.org/drawingml/2006/main" xmlns:r="http://schemas.openxmlformats.org/officeDocument/2006/relationships" xmlns:p="http://schemas.openxmlformats.org/presentationml/2006/main">
   <p:cSld>
     <p:spTree>
@@ -15755,6 +14360,31 @@
               <a:t>Includes function to automatically create comment indicators rather than by hand</a:t>
             </a:r>
           </a:p>
+          <a:p>
+            <a:r>
+              <a:rPr lang="en-US" dirty="0"/>
+              <a:t>Combine amygdala and age data</a:t>
+            </a:r>
+          </a:p>
+          <a:p>
+            <a:pPr lvl="1"/>
+            <a:r>
+              <a:rPr lang="en-US" sz="1800" dirty="0"/>
+              <a:t>Move age category to the front of the dataset for easier searching</a:t>
+            </a:r>
+          </a:p>
+          <a:p>
+            <a:r>
+              <a:rPr lang="en-US" dirty="0"/>
+              <a:t>Sort by age range (in decades)</a:t>
+            </a:r>
+          </a:p>
+          <a:p>
+            <a:r>
+              <a:rPr lang="en-US" dirty="0"/>
+              <a:t>Make heat map based on those age ranges</a:t>
+            </a:r>
+          </a:p>
         </p:txBody>
       </p:sp>
     </p:spTree>
@@ -15770,7 +14400,7 @@
 </p:sld>
 </file>
 
-<file path=ppt/slides/slide6.xml><?xml version="1.0" encoding="utf-8"?>
+<file path=ppt/slides/slide4.xml><?xml version="1.0" encoding="utf-8"?>
 <p:sld xmlns:a="http://schemas.openxmlformats.org/drawingml/2006/main" xmlns:r="http://schemas.openxmlformats.org/officeDocument/2006/relationships" xmlns:p="http://schemas.openxmlformats.org/presentationml/2006/main">
   <p:cSld>
     <p:spTree>
@@ -15883,7 +14513,7 @@
 </p:sld>
 </file>
 
-<file path=ppt/slides/slide7.xml><?xml version="1.0" encoding="utf-8"?>
+<file path=ppt/slides/slide5.xml><?xml version="1.0" encoding="utf-8"?>
 <p:sld xmlns:a="http://schemas.openxmlformats.org/drawingml/2006/main" xmlns:r="http://schemas.openxmlformats.org/officeDocument/2006/relationships" xmlns:p="http://schemas.openxmlformats.org/presentationml/2006/main">
   <p:cSld>
     <p:spTree>
@@ -15921,7 +14551,10 @@
           <a:bodyPr/>
           <a:lstStyle/>
           <a:p>
-            <a:endParaRPr lang="en-US"/>
+            <a:r>
+              <a:rPr lang="en-US" dirty="0"/>
+              <a:t>Yippee data</a:t>
+            </a:r>
           </a:p>
         </p:txBody>
       </p:sp>
@@ -15946,7 +14579,15 @@
           <a:bodyPr/>
           <a:lstStyle/>
           <a:p>
-            <a:endParaRPr lang="en-US"/>
+            <a:r>
+              <a:rPr lang="en-US" dirty="0"/>
+              <a:t>Pictures </a:t>
+            </a:r>
+            <a:r>
+              <a:rPr lang="en-US" dirty="0" err="1"/>
+              <a:t>pictures</a:t>
+            </a:r>
+            <a:endParaRPr lang="en-US" dirty="0"/>
           </a:p>
         </p:txBody>
       </p:sp>
@@ -15971,7 +14612,18 @@
           <a:bodyPr/>
           <a:lstStyle/>
           <a:p>
-            <a:endParaRPr lang="en-US"/>
+            <a:r>
+              <a:rPr lang="en-US" dirty="0"/>
+              <a:t>Pretend </a:t>
+            </a:r>
+            <a:r>
+              <a:rPr lang="en-US" dirty="0" err="1"/>
+              <a:t>theres</a:t>
+            </a:r>
+            <a:r>
+              <a:rPr lang="en-US" dirty="0"/>
+              <a:t> lots of pictures here</a:t>
+            </a:r>
           </a:p>
         </p:txBody>
       </p:sp>
@@ -15988,7 +14640,7 @@
 </p:sld>
 </file>
 
-<file path=ppt/slides/slide8.xml><?xml version="1.0" encoding="utf-8"?>
+<file path=ppt/slides/slide6.xml><?xml version="1.0" encoding="utf-8"?>
 <p:sld xmlns:a="http://schemas.openxmlformats.org/drawingml/2006/main" xmlns:r="http://schemas.openxmlformats.org/officeDocument/2006/relationships" xmlns:p="http://schemas.openxmlformats.org/presentationml/2006/main">
   <p:cSld>
     <p:spTree>
@@ -16492,7 +15144,7 @@
           <a:p>
             <a:r>
               <a:rPr lang="en-US" dirty="0"/>
-              <a:t>Speaking impact</a:t>
+              <a:t>What does it mean?</a:t>
             </a:r>
           </a:p>
         </p:txBody>
@@ -16656,7 +15308,7 @@
 </p:sld>
 </file>
 
-<file path=ppt/slides/slide9.xml><?xml version="1.0" encoding="utf-8"?>
+<file path=ppt/slides/slide7.xml><?xml version="1.0" encoding="utf-8"?>
 <p:sld xmlns:a="http://schemas.openxmlformats.org/drawingml/2006/main" xmlns:r="http://schemas.openxmlformats.org/officeDocument/2006/relationships" xmlns:p="http://schemas.openxmlformats.org/presentationml/2006/main">
   <p:cSld>
     <p:spTree>
@@ -16675,10 +15327,10 @@
       </p:grpSpPr>
       <p:sp>
         <p:nvSpPr>
-          <p:cNvPr id="2" name="Title 1">
+          <p:cNvPr id="3" name="Title 2">
             <a:extLst>
               <a:ext uri="{FF2B5EF4-FFF2-40B4-BE49-F238E27FC236}">
-                <a16:creationId xmlns:a16="http://schemas.microsoft.com/office/drawing/2014/main" id="{28BAC361-0D7A-DC05-86B5-6DD77D322F5B}"/>
+                <a16:creationId xmlns:a16="http://schemas.microsoft.com/office/drawing/2014/main" id="{A0034E89-1952-5288-08A0-70A4A73BE39E}"/>
               </a:ext>
             </a:extLst>
           </p:cNvPr>
@@ -16686,60 +15338,29 @@
             <a:spLocks noGrp="1"/>
           </p:cNvSpPr>
           <p:nvPr>
-            <p:ph type="title"/>
+            <p:ph type="ctrTitle"/>
           </p:nvPr>
         </p:nvSpPr>
         <p:spPr>
           <a:noFill/>
         </p:spPr>
         <p:txBody>
-          <a:bodyPr anchor="b">
-            <a:normAutofit/>
-          </a:bodyPr>
+          <a:bodyPr anchor="ctr"/>
           <a:lstStyle/>
           <a:p>
             <a:r>
               <a:rPr lang="en-US" dirty="0"/>
-              <a:t>Thank you!</a:t>
+              <a:t>The end! Thank you!</a:t>
             </a:r>
-          </a:p>
-        </p:txBody>
-      </p:sp>
-      <p:sp>
-        <p:nvSpPr>
-          <p:cNvPr id="3" name="Content Placeholder 2">
-            <a:extLst>
-              <a:ext uri="{FF2B5EF4-FFF2-40B4-BE49-F238E27FC236}">
-                <a16:creationId xmlns:a16="http://schemas.microsoft.com/office/drawing/2014/main" id="{1BE98EFF-197D-3136-70B9-7BBD30A48931}"/>
-              </a:ext>
-            </a:extLst>
-          </p:cNvPr>
-          <p:cNvSpPr>
-            <a:spLocks noGrp="1"/>
-          </p:cNvSpPr>
-          <p:nvPr>
-            <p:ph idx="1"/>
-          </p:nvPr>
-        </p:nvSpPr>
-        <p:spPr>
-          <a:noFill/>
-        </p:spPr>
-        <p:txBody>
-          <a:bodyPr>
-            <a:normAutofit/>
-          </a:bodyPr>
-          <a:lstStyle/>
-          <a:p>
-            <a:endParaRPr lang="en-US" dirty="0"/>
           </a:p>
         </p:txBody>
       </p:sp>
       <p:pic>
         <p:nvPicPr>
-          <p:cNvPr id="25" name="Picture Placeholder 24" descr="A close-up of a network">
+          <p:cNvPr id="11" name="Picture Placeholder 15" descr="Data points digital background">
             <a:extLst>
               <a:ext uri="{FF2B5EF4-FFF2-40B4-BE49-F238E27FC236}">
-                <a16:creationId xmlns:a16="http://schemas.microsoft.com/office/drawing/2014/main" id="{41A1C574-72C6-642F-E4D2-FF0C993AEF78}"/>
+                <a16:creationId xmlns:a16="http://schemas.microsoft.com/office/drawing/2014/main" id="{A496DCE5-C34A-22C2-A9D8-E90DFC8CE86C}"/>
               </a:ext>
             </a:extLst>
           </p:cNvPr>
@@ -16750,15 +15371,15 @@
             <p:ph type="pic" sz="quarter" idx="13"/>
           </p:nvPr>
         </p:nvPicPr>
-        <p:blipFill>
-          <a:blip r:embed="rId2">
+        <p:blipFill rotWithShape="1">
+          <a:blip r:embed="rId3" cstate="screen">
             <a:extLst>
               <a:ext uri="{28A0092B-C50C-407E-A947-70E740481C1C}">
                 <a14:useLocalDpi xmlns:a14="http://schemas.microsoft.com/office/drawing/2010/main" val="0"/>
               </a:ext>
             </a:extLst>
           </a:blip>
-          <a:srcRect t="1" b="1"/>
+          <a:srcRect t="52" b="52"/>
           <a:stretch/>
         </p:blipFill>
         <p:spPr/>
@@ -16766,7 +15387,7 @@
     </p:spTree>
     <p:extLst>
       <p:ext uri="{BB962C8B-B14F-4D97-AF65-F5344CB8AC3E}">
-        <p14:creationId xmlns:p14="http://schemas.microsoft.com/office/powerpoint/2010/main" val="2547630249"/>
+        <p14:creationId xmlns:p14="http://schemas.microsoft.com/office/powerpoint/2010/main" val="1839748091"/>
       </p:ext>
     </p:extLst>
   </p:cSld>
@@ -17568,6 +16189,26 @@
 </file>
 
 <file path=customXml/item1.xml><?xml version="1.0" encoding="utf-8"?>
+<p:properties xmlns:p="http://schemas.microsoft.com/office/2006/metadata/properties" xmlns:xsi="http://www.w3.org/2001/XMLSchema-instance" xmlns:pc="http://schemas.microsoft.com/office/infopath/2007/PartnerControls">
+  <documentManagement>
+    <_ip_UnifiedCompliancePolicyUIAction xmlns="http://schemas.microsoft.com/sharepoint/v3" xsi:nil="true"/>
+    <Image xmlns="71af3243-3dd4-4a8d-8c0d-dd76da1f02a5">
+      <Url xsi:nil="true"/>
+      <Description xsi:nil="true"/>
+    </Image>
+    <Status xmlns="71af3243-3dd4-4a8d-8c0d-dd76da1f02a5">Not started</Status>
+    <Background xmlns="71af3243-3dd4-4a8d-8c0d-dd76da1f02a5">false</Background>
+    <_ip_UnifiedCompliancePolicyProperties xmlns="http://schemas.microsoft.com/sharepoint/v3" xsi:nil="true"/>
+    <ImageTagsTaxHTField xmlns="71af3243-3dd4-4a8d-8c0d-dd76da1f02a5">
+      <Terms xmlns="http://schemas.microsoft.com/office/infopath/2007/PartnerControls"/>
+    </ImageTagsTaxHTField>
+    <TaxCatchAll xmlns="230e9df3-be65-4c73-a93b-d1236ebd677e" xsi:nil="true"/>
+    <MediaServiceKeyPoints xmlns="71af3243-3dd4-4a8d-8c0d-dd76da1f02a5" xsi:nil="true"/>
+  </documentManagement>
+</p:properties>
+</file>
+
+<file path=customXml/item2.xml><?xml version="1.0" encoding="utf-8"?>
 <ct:contentTypeSchema xmlns:ct="http://schemas.microsoft.com/office/2006/metadata/contentType" xmlns:ma="http://schemas.microsoft.com/office/2006/metadata/properties/metaAttributes" ct:_="" ma:_="" ma:contentTypeName="Document" ma:contentTypeID="0x01010079F111ED35F8CC479449609E8A0923A6" ma:contentTypeVersion="28" ma:contentTypeDescription="Create a new document." ma:contentTypeScope="" ma:versionID="60f5a4f2d2b0abadcf532d48ebf9cb71">
   <xsd:schema xmlns:xsd="http://www.w3.org/2001/XMLSchema" xmlns:xs="http://www.w3.org/2001/XMLSchema" xmlns:p="http://schemas.microsoft.com/office/2006/metadata/properties" xmlns:ns1="http://schemas.microsoft.com/sharepoint/v3" xmlns:ns2="71af3243-3dd4-4a8d-8c0d-dd76da1f02a5" xmlns:ns3="16c05727-aa75-4e4a-9b5f-8a80a1165891" xmlns:ns4="230e9df3-be65-4c73-a93b-d1236ebd677e" targetNamespace="http://schemas.microsoft.com/office/2006/metadata/properties" ma:root="true" ma:fieldsID="7dd78129e6a1811f84807ad11c651531" ns1:_="" ns2:_="" ns3:_="" ns4:_="">
     <xsd:import namespace="http://schemas.microsoft.com/sharepoint/v3"/>
@@ -17879,26 +16520,6 @@
 </ct:contentTypeSchema>
 </file>
 
-<file path=customXml/item2.xml><?xml version="1.0" encoding="utf-8"?>
-<p:properties xmlns:p="http://schemas.microsoft.com/office/2006/metadata/properties" xmlns:xsi="http://www.w3.org/2001/XMLSchema-instance" xmlns:pc="http://schemas.microsoft.com/office/infopath/2007/PartnerControls">
-  <documentManagement>
-    <_ip_UnifiedCompliancePolicyUIAction xmlns="http://schemas.microsoft.com/sharepoint/v3" xsi:nil="true"/>
-    <Image xmlns="71af3243-3dd4-4a8d-8c0d-dd76da1f02a5">
-      <Url xsi:nil="true"/>
-      <Description xsi:nil="true"/>
-    </Image>
-    <Status xmlns="71af3243-3dd4-4a8d-8c0d-dd76da1f02a5">Not started</Status>
-    <Background xmlns="71af3243-3dd4-4a8d-8c0d-dd76da1f02a5">false</Background>
-    <_ip_UnifiedCompliancePolicyProperties xmlns="http://schemas.microsoft.com/sharepoint/v3" xsi:nil="true"/>
-    <ImageTagsTaxHTField xmlns="71af3243-3dd4-4a8d-8c0d-dd76da1f02a5">
-      <Terms xmlns="http://schemas.microsoft.com/office/infopath/2007/PartnerControls"/>
-    </ImageTagsTaxHTField>
-    <TaxCatchAll xmlns="230e9df3-be65-4c73-a93b-d1236ebd677e" xsi:nil="true"/>
-    <MediaServiceKeyPoints xmlns="71af3243-3dd4-4a8d-8c0d-dd76da1f02a5" xsi:nil="true"/>
-  </documentManagement>
-</p:properties>
-</file>
-
 <file path=customXml/item3.xml><?xml version="1.0" encoding="utf-8"?>
 <?mso-contentType ?>
 <FormTemplates xmlns="http://schemas.microsoft.com/sharepoint/v3/contenttype/forms">
@@ -17909,6 +16530,25 @@
 </file>
 
 <file path=customXml/itemProps1.xml><?xml version="1.0" encoding="utf-8"?>
+<ds:datastoreItem xmlns:ds="http://schemas.openxmlformats.org/officeDocument/2006/customXml" ds:itemID="{1F342EE1-43E5-4AFB-895D-B61B9656DC14}">
+  <ds:schemaRefs>
+    <ds:schemaRef ds:uri="http://schemas.microsoft.com/office/2006/documentManagement/types"/>
+    <ds:schemaRef ds:uri="http://schemas.microsoft.com/sharepoint/v3"/>
+    <ds:schemaRef ds:uri="http://purl.org/dc/dcmitype/"/>
+    <ds:schemaRef ds:uri="http://purl.org/dc/elements/1.1/"/>
+    <ds:schemaRef ds:uri="http://purl.org/dc/terms/"/>
+    <ds:schemaRef ds:uri="http://schemas.microsoft.com/office/infopath/2007/PartnerControls"/>
+    <ds:schemaRef ds:uri="http://schemas.microsoft.com/office/2006/metadata/properties"/>
+    <ds:schemaRef ds:uri="http://www.w3.org/XML/1998/namespace"/>
+    <ds:schemaRef ds:uri="http://schemas.openxmlformats.org/package/2006/metadata/core-properties"/>
+    <ds:schemaRef ds:uri="230e9df3-be65-4c73-a93b-d1236ebd677e"/>
+    <ds:schemaRef ds:uri="16c05727-aa75-4e4a-9b5f-8a80a1165891"/>
+    <ds:schemaRef ds:uri="71af3243-3dd4-4a8d-8c0d-dd76da1f02a5"/>
+  </ds:schemaRefs>
+</ds:datastoreItem>
+</file>
+
+<file path=customXml/itemProps2.xml><?xml version="1.0" encoding="utf-8"?>
 <ds:datastoreItem xmlns:ds="http://schemas.openxmlformats.org/officeDocument/2006/customXml" ds:itemID="{797783A8-901D-4F73-81D7-AA6841BEB3D7}">
   <ds:schemaRefs>
     <ds:schemaRef ds:uri="http://schemas.microsoft.com/office/2006/metadata/contentType"/>
@@ -17929,25 +16569,6 @@
 </ds:datastoreItem>
 </file>
 
-<file path=customXml/itemProps2.xml><?xml version="1.0" encoding="utf-8"?>
-<ds:datastoreItem xmlns:ds="http://schemas.openxmlformats.org/officeDocument/2006/customXml" ds:itemID="{1F342EE1-43E5-4AFB-895D-B61B9656DC14}">
-  <ds:schemaRefs>
-    <ds:schemaRef ds:uri="http://schemas.microsoft.com/office/2006/documentManagement/types"/>
-    <ds:schemaRef ds:uri="http://schemas.microsoft.com/sharepoint/v3"/>
-    <ds:schemaRef ds:uri="http://purl.org/dc/dcmitype/"/>
-    <ds:schemaRef ds:uri="http://purl.org/dc/elements/1.1/"/>
-    <ds:schemaRef ds:uri="http://purl.org/dc/terms/"/>
-    <ds:schemaRef ds:uri="http://schemas.microsoft.com/office/infopath/2007/PartnerControls"/>
-    <ds:schemaRef ds:uri="http://schemas.microsoft.com/office/2006/metadata/properties"/>
-    <ds:schemaRef ds:uri="http://www.w3.org/XML/1998/namespace"/>
-    <ds:schemaRef ds:uri="http://schemas.openxmlformats.org/package/2006/metadata/core-properties"/>
-    <ds:schemaRef ds:uri="230e9df3-be65-4c73-a93b-d1236ebd677e"/>
-    <ds:schemaRef ds:uri="16c05727-aa75-4e4a-9b5f-8a80a1165891"/>
-    <ds:schemaRef ds:uri="71af3243-3dd4-4a8d-8c0d-dd76da1f02a5"/>
-  </ds:schemaRefs>
-</ds:datastoreItem>
-</file>
-
 <file path=customXml/itemProps3.xml><?xml version="1.0" encoding="utf-8"?>
 <ds:datastoreItem xmlns:ds="http://schemas.openxmlformats.org/officeDocument/2006/customXml" ds:itemID="{2F49CD38-5B57-4682-9FCE-B9174068D0AE}">
   <ds:schemaRefs>

--- a/R Coding presentation.pptx
+++ b/R Coding presentation.pptx
@@ -5,10 +5,10 @@
     <p:sldMasterId id="2147483705" r:id="rId4"/>
   </p:sldMasterIdLst>
   <p:notesMasterIdLst>
-    <p:notesMasterId r:id="rId12"/>
+    <p:notesMasterId r:id="rId15"/>
   </p:notesMasterIdLst>
   <p:handoutMasterIdLst>
-    <p:handoutMasterId r:id="rId13"/>
+    <p:handoutMasterId r:id="rId16"/>
   </p:handoutMasterIdLst>
   <p:sldIdLst>
     <p:sldId id="278" r:id="rId5"/>
@@ -16,8 +16,11 @@
     <p:sldId id="293" r:id="rId7"/>
     <p:sldId id="285" r:id="rId8"/>
     <p:sldId id="294" r:id="rId9"/>
-    <p:sldId id="288" r:id="rId10"/>
-    <p:sldId id="271" r:id="rId11"/>
+    <p:sldId id="295" r:id="rId10"/>
+    <p:sldId id="297" r:id="rId11"/>
+    <p:sldId id="288" r:id="rId12"/>
+    <p:sldId id="296" r:id="rId13"/>
+    <p:sldId id="271" r:id="rId14"/>
   </p:sldIdLst>
   <p:sldSz cx="12192000" cy="6858000"/>
   <p:notesSz cx="6858000" cy="9144000"/>
@@ -138,12 +141,20 @@
 </p:presentation>
 </file>
 
+<file path=ppt/revisionInfo.xml><?xml version="1.0" encoding="utf-8"?>
+<p1510:revInfo xmlns:a="http://schemas.openxmlformats.org/drawingml/2006/main" xmlns:r="http://schemas.openxmlformats.org/officeDocument/2006/relationships" xmlns:p1510="http://schemas.microsoft.com/office/powerpoint/2015/10/main">
+  <p1510:revLst>
+    <p1510:client id="{6FA7D248-6136-41E0-A1EB-A7AB1F7893AC}" v="3" dt="2025-05-08T13:39:29.663"/>
+  </p1510:revLst>
+</p1510:revInfo>
+</file>
+
 <file path=ppt/changesInfos/changesInfo1.xml><?xml version="1.0" encoding="utf-8"?>
 <pc:chgInfo xmlns:a="http://schemas.openxmlformats.org/drawingml/2006/main" xmlns:r="http://schemas.openxmlformats.org/officeDocument/2006/relationships" xmlns:ac="http://schemas.microsoft.com/office/drawing/2013/main/command" xmlns:pc="http://schemas.microsoft.com/office/powerpoint/2013/main/command">
   <pc:docChgLst>
     <pc:chgData name="Karl Mayo" userId="b3124e7553db0db4" providerId="LiveId" clId="{6FA7D248-6136-41E0-A1EB-A7AB1F7893AC}"/>
     <pc:docChg chg="undo custSel addSld delSld modSld sldOrd">
-      <pc:chgData name="Karl Mayo" userId="b3124e7553db0db4" providerId="LiveId" clId="{6FA7D248-6136-41E0-A1EB-A7AB1F7893AC}" dt="2025-05-07T23:56:42.350" v="1206" actId="20577"/>
+      <pc:chgData name="Karl Mayo" userId="b3124e7553db0db4" providerId="LiveId" clId="{6FA7D248-6136-41E0-A1EB-A7AB1F7893AC}" dt="2025-05-08T13:51:54.541" v="1871" actId="20577"/>
       <pc:docMkLst>
         <pc:docMk/>
       </pc:docMkLst>
@@ -178,7 +189,7 @@
         </pc:spChg>
       </pc:sldChg>
       <pc:sldChg chg="modSp mod">
-        <pc:chgData name="Karl Mayo" userId="b3124e7553db0db4" providerId="LiveId" clId="{6FA7D248-6136-41E0-A1EB-A7AB1F7893AC}" dt="2025-05-07T23:56:16.150" v="1197" actId="20577"/>
+        <pc:chgData name="Karl Mayo" userId="b3124e7553db0db4" providerId="LiveId" clId="{6FA7D248-6136-41E0-A1EB-A7AB1F7893AC}" dt="2025-05-08T13:18:42.076" v="1344" actId="403"/>
         <pc:sldMkLst>
           <pc:docMk/>
           <pc:sldMk cId="2665045518" sldId="282"/>
@@ -192,7 +203,7 @@
           </ac:spMkLst>
         </pc:spChg>
         <pc:spChg chg="mod">
-          <ac:chgData name="Karl Mayo" userId="b3124e7553db0db4" providerId="LiveId" clId="{6FA7D248-6136-41E0-A1EB-A7AB1F7893AC}" dt="2025-05-07T23:45:50.683" v="1172" actId="20577"/>
+          <ac:chgData name="Karl Mayo" userId="b3124e7553db0db4" providerId="LiveId" clId="{6FA7D248-6136-41E0-A1EB-A7AB1F7893AC}" dt="2025-05-08T13:18:42.076" v="1344" actId="403"/>
           <ac:spMkLst>
             <pc:docMk/>
             <pc:sldMk cId="2665045518" sldId="282"/>
@@ -230,8 +241,8 @@
           </ac:spMkLst>
         </pc:spChg>
       </pc:sldChg>
-      <pc:sldChg chg="modSp mod">
-        <pc:chgData name="Karl Mayo" userId="b3124e7553db0db4" providerId="LiveId" clId="{6FA7D248-6136-41E0-A1EB-A7AB1F7893AC}" dt="2025-05-07T13:53:11.295" v="309" actId="20577"/>
+      <pc:sldChg chg="delSp modSp mod">
+        <pc:chgData name="Karl Mayo" userId="b3124e7553db0db4" providerId="LiveId" clId="{6FA7D248-6136-41E0-A1EB-A7AB1F7893AC}" dt="2025-05-08T13:46:28.434" v="1650" actId="478"/>
         <pc:sldMkLst>
           <pc:docMk/>
           <pc:sldMk cId="2855514139" sldId="285"/>
@@ -244,8 +255,8 @@
             <ac:spMk id="7" creationId="{8A84D4AF-8D29-5A55-F3F8-1E928E3B08FF}"/>
           </ac:spMkLst>
         </pc:spChg>
-        <pc:spChg chg="mod">
-          <ac:chgData name="Karl Mayo" userId="b3124e7553db0db4" providerId="LiveId" clId="{6FA7D248-6136-41E0-A1EB-A7AB1F7893AC}" dt="2025-05-07T13:53:11.295" v="309" actId="20577"/>
+        <pc:spChg chg="del mod">
+          <ac:chgData name="Karl Mayo" userId="b3124e7553db0db4" providerId="LiveId" clId="{6FA7D248-6136-41E0-A1EB-A7AB1F7893AC}" dt="2025-05-08T13:46:28.434" v="1650" actId="478"/>
           <ac:spMkLst>
             <pc:docMk/>
             <pc:sldMk cId="2855514139" sldId="285"/>
@@ -268,7 +279,7 @@
         </pc:sldMkLst>
       </pc:sldChg>
       <pc:sldChg chg="modSp mod">
-        <pc:chgData name="Karl Mayo" userId="b3124e7553db0db4" providerId="LiveId" clId="{6FA7D248-6136-41E0-A1EB-A7AB1F7893AC}" dt="2025-05-07T23:44:27.285" v="1072" actId="20577"/>
+        <pc:chgData name="Karl Mayo" userId="b3124e7553db0db4" providerId="LiveId" clId="{6FA7D248-6136-41E0-A1EB-A7AB1F7893AC}" dt="2025-05-08T13:50:55.716" v="1776" actId="20577"/>
         <pc:sldMkLst>
           <pc:docMk/>
           <pc:sldMk cId="414523832" sldId="288"/>
@@ -282,7 +293,7 @@
           </ac:spMkLst>
         </pc:spChg>
         <pc:spChg chg="mod">
-          <ac:chgData name="Karl Mayo" userId="b3124e7553db0db4" providerId="LiveId" clId="{6FA7D248-6136-41E0-A1EB-A7AB1F7893AC}" dt="2025-05-07T20:12:45.889" v="547" actId="20577"/>
+          <ac:chgData name="Karl Mayo" userId="b3124e7553db0db4" providerId="LiveId" clId="{6FA7D248-6136-41E0-A1EB-A7AB1F7893AC}" dt="2025-05-08T13:50:55.716" v="1776" actId="20577"/>
           <ac:spMkLst>
             <pc:docMk/>
             <pc:sldMk cId="414523832" sldId="288"/>
@@ -357,36 +368,137 @@
           </ac:spMkLst>
         </pc:spChg>
       </pc:sldChg>
-      <pc:sldChg chg="modSp new mod">
-        <pc:chgData name="Karl Mayo" userId="b3124e7553db0db4" providerId="LiveId" clId="{6FA7D248-6136-41E0-A1EB-A7AB1F7893AC}" dt="2025-05-07T22:36:50.311" v="756" actId="20577"/>
+      <pc:sldChg chg="addSp delSp modSp new mod">
+        <pc:chgData name="Karl Mayo" userId="b3124e7553db0db4" providerId="LiveId" clId="{6FA7D248-6136-41E0-A1EB-A7AB1F7893AC}" dt="2025-05-08T13:34:22.596" v="1433" actId="478"/>
         <pc:sldMkLst>
           <pc:docMk/>
           <pc:sldMk cId="2217804380" sldId="294"/>
         </pc:sldMkLst>
         <pc:spChg chg="mod">
-          <ac:chgData name="Karl Mayo" userId="b3124e7553db0db4" providerId="LiveId" clId="{6FA7D248-6136-41E0-A1EB-A7AB1F7893AC}" dt="2025-05-07T22:36:42.642" v="753" actId="20577"/>
+          <ac:chgData name="Karl Mayo" userId="b3124e7553db0db4" providerId="LiveId" clId="{6FA7D248-6136-41E0-A1EB-A7AB1F7893AC}" dt="2025-05-08T13:32:46.088" v="1395" actId="20577"/>
           <ac:spMkLst>
             <pc:docMk/>
             <pc:sldMk cId="2217804380" sldId="294"/>
             <ac:spMk id="2" creationId="{4C35CB4D-4E67-61D0-FA05-2E28B5FF16E5}"/>
           </ac:spMkLst>
         </pc:spChg>
-        <pc:spChg chg="mod">
-          <ac:chgData name="Karl Mayo" userId="b3124e7553db0db4" providerId="LiveId" clId="{6FA7D248-6136-41E0-A1EB-A7AB1F7893AC}" dt="2025-05-07T22:36:28.485" v="704" actId="20577"/>
+        <pc:spChg chg="del mod">
+          <ac:chgData name="Karl Mayo" userId="b3124e7553db0db4" providerId="LiveId" clId="{6FA7D248-6136-41E0-A1EB-A7AB1F7893AC}" dt="2025-05-08T13:31:51.501" v="1362" actId="931"/>
           <ac:spMkLst>
             <pc:docMk/>
             <pc:sldMk cId="2217804380" sldId="294"/>
             <ac:spMk id="3" creationId="{41F8B982-0E88-BEB6-2454-9831130B673F}"/>
           </ac:spMkLst>
         </pc:spChg>
-        <pc:spChg chg="mod">
-          <ac:chgData name="Karl Mayo" userId="b3124e7553db0db4" providerId="LiveId" clId="{6FA7D248-6136-41E0-A1EB-A7AB1F7893AC}" dt="2025-05-07T22:36:50.311" v="756" actId="20577"/>
+        <pc:spChg chg="del mod">
+          <ac:chgData name="Karl Mayo" userId="b3124e7553db0db4" providerId="LiveId" clId="{6FA7D248-6136-41E0-A1EB-A7AB1F7893AC}" dt="2025-05-08T13:32:21.012" v="1366" actId="478"/>
           <ac:spMkLst>
             <pc:docMk/>
             <pc:sldMk cId="2217804380" sldId="294"/>
             <ac:spMk id="4" creationId="{37CCD1B8-087F-8AEA-17D9-F6AC062689FC}"/>
           </ac:spMkLst>
         </pc:spChg>
+        <pc:spChg chg="add del mod">
+          <ac:chgData name="Karl Mayo" userId="b3124e7553db0db4" providerId="LiveId" clId="{6FA7D248-6136-41E0-A1EB-A7AB1F7893AC}" dt="2025-05-08T13:34:22.596" v="1433" actId="478"/>
+          <ac:spMkLst>
+            <pc:docMk/>
+            <pc:sldMk cId="2217804380" sldId="294"/>
+            <ac:spMk id="8" creationId="{0C262792-FC76-1FE9-E4B8-32DFA7F581D4}"/>
+          </ac:spMkLst>
+        </pc:spChg>
+        <pc:picChg chg="add mod">
+          <ac:chgData name="Karl Mayo" userId="b3124e7553db0db4" providerId="LiveId" clId="{6FA7D248-6136-41E0-A1EB-A7AB1F7893AC}" dt="2025-05-08T13:32:13.661" v="1365" actId="1076"/>
+          <ac:picMkLst>
+            <pc:docMk/>
+            <pc:sldMk cId="2217804380" sldId="294"/>
+            <ac:picMk id="6" creationId="{6DC9B0BE-3DB9-E263-8794-33D3D7303CB2}"/>
+          </ac:picMkLst>
+        </pc:picChg>
+      </pc:sldChg>
+      <pc:sldChg chg="addSp delSp modSp new mod">
+        <pc:chgData name="Karl Mayo" userId="b3124e7553db0db4" providerId="LiveId" clId="{6FA7D248-6136-41E0-A1EB-A7AB1F7893AC}" dt="2025-05-08T13:35:04.189" v="1437" actId="1076"/>
+        <pc:sldMkLst>
+          <pc:docMk/>
+          <pc:sldMk cId="214009120" sldId="295"/>
+        </pc:sldMkLst>
+        <pc:spChg chg="mod">
+          <ac:chgData name="Karl Mayo" userId="b3124e7553db0db4" providerId="LiveId" clId="{6FA7D248-6136-41E0-A1EB-A7AB1F7893AC}" dt="2025-05-08T13:34:46.953" v="1435" actId="403"/>
+          <ac:spMkLst>
+            <pc:docMk/>
+            <pc:sldMk cId="214009120" sldId="295"/>
+            <ac:spMk id="2" creationId="{06235DB2-B1DC-02C6-8F2D-F176CD3891B0}"/>
+          </ac:spMkLst>
+        </pc:spChg>
+        <pc:spChg chg="del">
+          <ac:chgData name="Karl Mayo" userId="b3124e7553db0db4" providerId="LiveId" clId="{6FA7D248-6136-41E0-A1EB-A7AB1F7893AC}" dt="2025-05-08T13:33:14.007" v="1416" actId="931"/>
+          <ac:spMkLst>
+            <pc:docMk/>
+            <pc:sldMk cId="214009120" sldId="295"/>
+            <ac:spMk id="3" creationId="{4A9E4AE1-69D0-AAA5-0817-BAD1F31AD6F1}"/>
+          </ac:spMkLst>
+        </pc:spChg>
+        <pc:picChg chg="add mod">
+          <ac:chgData name="Karl Mayo" userId="b3124e7553db0db4" providerId="LiveId" clId="{6FA7D248-6136-41E0-A1EB-A7AB1F7893AC}" dt="2025-05-08T13:35:04.189" v="1437" actId="1076"/>
+          <ac:picMkLst>
+            <pc:docMk/>
+            <pc:sldMk cId="214009120" sldId="295"/>
+            <ac:picMk id="5" creationId="{991E5337-B6DD-21C8-7A83-7D0CCBA134E7}"/>
+          </ac:picMkLst>
+        </pc:picChg>
+      </pc:sldChg>
+      <pc:sldChg chg="modSp new mod">
+        <pc:chgData name="Karl Mayo" userId="b3124e7553db0db4" providerId="LiveId" clId="{6FA7D248-6136-41E0-A1EB-A7AB1F7893AC}" dt="2025-05-08T13:51:54.541" v="1871" actId="20577"/>
+        <pc:sldMkLst>
+          <pc:docMk/>
+          <pc:sldMk cId="2844612185" sldId="296"/>
+        </pc:sldMkLst>
+        <pc:spChg chg="mod">
+          <ac:chgData name="Karl Mayo" userId="b3124e7553db0db4" providerId="LiveId" clId="{6FA7D248-6136-41E0-A1EB-A7AB1F7893AC}" dt="2025-05-08T13:36:57.355" v="1586" actId="20577"/>
+          <ac:spMkLst>
+            <pc:docMk/>
+            <pc:sldMk cId="2844612185" sldId="296"/>
+            <ac:spMk id="2" creationId="{4068305E-230D-858B-F0DF-87E7B9914430}"/>
+          </ac:spMkLst>
+        </pc:spChg>
+        <pc:spChg chg="mod">
+          <ac:chgData name="Karl Mayo" userId="b3124e7553db0db4" providerId="LiveId" clId="{6FA7D248-6136-41E0-A1EB-A7AB1F7893AC}" dt="2025-05-08T13:51:54.541" v="1871" actId="20577"/>
+          <ac:spMkLst>
+            <pc:docMk/>
+            <pc:sldMk cId="2844612185" sldId="296"/>
+            <ac:spMk id="3" creationId="{B23BFCE0-1831-38B3-7620-BCE441499172}"/>
+          </ac:spMkLst>
+        </pc:spChg>
+      </pc:sldChg>
+      <pc:sldChg chg="addSp delSp modSp new mod">
+        <pc:chgData name="Karl Mayo" userId="b3124e7553db0db4" providerId="LiveId" clId="{6FA7D248-6136-41E0-A1EB-A7AB1F7893AC}" dt="2025-05-08T13:41:05.207" v="1649" actId="1076"/>
+        <pc:sldMkLst>
+          <pc:docMk/>
+          <pc:sldMk cId="1027070692" sldId="297"/>
+        </pc:sldMkLst>
+        <pc:spChg chg="mod">
+          <ac:chgData name="Karl Mayo" userId="b3124e7553db0db4" providerId="LiveId" clId="{6FA7D248-6136-41E0-A1EB-A7AB1F7893AC}" dt="2025-05-08T13:40:37.817" v="1644" actId="1076"/>
+          <ac:spMkLst>
+            <pc:docMk/>
+            <pc:sldMk cId="1027070692" sldId="297"/>
+            <ac:spMk id="2" creationId="{B47FA853-B650-8909-108A-7763442AF7E6}"/>
+          </ac:spMkLst>
+        </pc:spChg>
+        <pc:spChg chg="del">
+          <ac:chgData name="Karl Mayo" userId="b3124e7553db0db4" providerId="LiveId" clId="{6FA7D248-6136-41E0-A1EB-A7AB1F7893AC}" dt="2025-05-08T13:39:29.663" v="1588" actId="931"/>
+          <ac:spMkLst>
+            <pc:docMk/>
+            <pc:sldMk cId="1027070692" sldId="297"/>
+            <ac:spMk id="3" creationId="{834275A2-8502-DA98-AB3B-1C24188F3742}"/>
+          </ac:spMkLst>
+        </pc:spChg>
+        <pc:picChg chg="add mod">
+          <ac:chgData name="Karl Mayo" userId="b3124e7553db0db4" providerId="LiveId" clId="{6FA7D248-6136-41E0-A1EB-A7AB1F7893AC}" dt="2025-05-08T13:41:05.207" v="1649" actId="1076"/>
+          <ac:picMkLst>
+            <pc:docMk/>
+            <pc:sldMk cId="1027070692" sldId="297"/>
+            <ac:picMk id="5" creationId="{0253C266-2583-22EA-0F2E-8A7E6DB341BF}"/>
+          </ac:picMkLst>
+        </pc:picChg>
       </pc:sldChg>
       <pc:sldMasterChg chg="delSldLayout">
         <pc:chgData name="Karl Mayo" userId="b3124e7553db0db4" providerId="LiveId" clId="{6FA7D248-6136-41E0-A1EB-A7AB1F7893AC}" dt="2025-05-07T22:37:42.335" v="769" actId="2696"/>
@@ -542,7 +654,7 @@
           <a:p>
             <a:fld id="{717BC71B-6527-4638-937B-C93EB849CB02}" type="datetimeFigureOut">
               <a:rPr lang="en-US" smtClean="0"/>
-              <a:t>5/7/2025</a:t>
+              <a:t>5/8/2025</a:t>
             </a:fld>
             <a:endParaRPr lang="en-US" dirty="0"/>
           </a:p>
@@ -719,7 +831,7 @@
           <a:p>
             <a:fld id="{425465A2-8C9C-419F-9FD8-234480873777}" type="datetimeFigureOut">
               <a:rPr lang="en-US" smtClean="0"/>
-              <a:t>5/7/2025</a:t>
+              <a:t>5/8/2025</a:t>
             </a:fld>
             <a:endParaRPr lang="en-US" dirty="0"/>
           </a:p>
@@ -1303,7 +1415,7 @@
           <a:p>
             <a:fld id="{E7AF00E9-A49D-4007-B3B9-A3783809E505}" type="slidenum">
               <a:rPr lang="en-US" smtClean="0"/>
-              <a:t>7</a:t>
+              <a:t>10</a:t>
             </a:fld>
             <a:endParaRPr lang="en-US" dirty="0"/>
           </a:p>
@@ -14145,6 +14257,95 @@
 </p:sld>
 </file>
 
+<file path=ppt/slides/slide10.xml><?xml version="1.0" encoding="utf-8"?>
+<p:sld xmlns:a="http://schemas.openxmlformats.org/drawingml/2006/main" xmlns:r="http://schemas.openxmlformats.org/officeDocument/2006/relationships" xmlns:p="http://schemas.openxmlformats.org/presentationml/2006/main">
+  <p:cSld>
+    <p:spTree>
+      <p:nvGrpSpPr>
+        <p:cNvPr id="1" name=""/>
+        <p:cNvGrpSpPr/>
+        <p:nvPr/>
+      </p:nvGrpSpPr>
+      <p:grpSpPr>
+        <a:xfrm>
+          <a:off x="0" y="0"/>
+          <a:ext cx="0" cy="0"/>
+          <a:chOff x="0" y="0"/>
+          <a:chExt cx="0" cy="0"/>
+        </a:xfrm>
+      </p:grpSpPr>
+      <p:sp>
+        <p:nvSpPr>
+          <p:cNvPr id="3" name="Title 2">
+            <a:extLst>
+              <a:ext uri="{FF2B5EF4-FFF2-40B4-BE49-F238E27FC236}">
+                <a16:creationId xmlns:a16="http://schemas.microsoft.com/office/drawing/2014/main" id="{A0034E89-1952-5288-08A0-70A4A73BE39E}"/>
+              </a:ext>
+            </a:extLst>
+          </p:cNvPr>
+          <p:cNvSpPr>
+            <a:spLocks noGrp="1"/>
+          </p:cNvSpPr>
+          <p:nvPr>
+            <p:ph type="ctrTitle"/>
+          </p:nvPr>
+        </p:nvSpPr>
+        <p:spPr>
+          <a:noFill/>
+        </p:spPr>
+        <p:txBody>
+          <a:bodyPr anchor="ctr"/>
+          <a:lstStyle/>
+          <a:p>
+            <a:r>
+              <a:rPr lang="en-US" dirty="0"/>
+              <a:t>The end! Thank you!</a:t>
+            </a:r>
+          </a:p>
+        </p:txBody>
+      </p:sp>
+      <p:pic>
+        <p:nvPicPr>
+          <p:cNvPr id="11" name="Picture Placeholder 15" descr="Data points digital background">
+            <a:extLst>
+              <a:ext uri="{FF2B5EF4-FFF2-40B4-BE49-F238E27FC236}">
+                <a16:creationId xmlns:a16="http://schemas.microsoft.com/office/drawing/2014/main" id="{A496DCE5-C34A-22C2-A9D8-E90DFC8CE86C}"/>
+              </a:ext>
+            </a:extLst>
+          </p:cNvPr>
+          <p:cNvPicPr>
+            <a:picLocks noGrp="1" noChangeAspect="1"/>
+          </p:cNvPicPr>
+          <p:nvPr>
+            <p:ph type="pic" sz="quarter" idx="13"/>
+          </p:nvPr>
+        </p:nvPicPr>
+        <p:blipFill rotWithShape="1">
+          <a:blip r:embed="rId3" cstate="screen">
+            <a:extLst>
+              <a:ext uri="{28A0092B-C50C-407E-A947-70E740481C1C}">
+                <a14:useLocalDpi xmlns:a14="http://schemas.microsoft.com/office/drawing/2010/main" val="0"/>
+              </a:ext>
+            </a:extLst>
+          </a:blip>
+          <a:srcRect t="52" b="52"/>
+          <a:stretch/>
+        </p:blipFill>
+        <p:spPr/>
+      </p:pic>
+    </p:spTree>
+    <p:extLst>
+      <p:ext uri="{BB962C8B-B14F-4D97-AF65-F5344CB8AC3E}">
+        <p14:creationId xmlns:p14="http://schemas.microsoft.com/office/powerpoint/2010/main" val="1839748091"/>
+      </p:ext>
+    </p:extLst>
+  </p:cSld>
+  <p:clrMapOvr>
+    <a:masterClrMapping/>
+  </p:clrMapOvr>
+</p:sld>
+</file>
+
 <file path=ppt/slides/slide2.xml><?xml version="1.0" encoding="utf-8"?>
 <p:sld xmlns:a="http://schemas.openxmlformats.org/drawingml/2006/main" xmlns:r="http://schemas.openxmlformats.org/officeDocument/2006/relationships" xmlns:p="http://schemas.openxmlformats.org/presentationml/2006/main">
   <p:cSld>
@@ -14223,7 +14424,7 @@
             </a:r>
             <a:r>
               <a:rPr lang="en-US" dirty="0"/>
-              <a:t>: See if there are any interesting differences in the amygdala based on</a:t>
+              <a:t>:  See if there are any interesting differences in the amygdala based on</a:t>
             </a:r>
           </a:p>
           <a:p>
@@ -14237,8 +14438,28 @@
             </a:r>
             <a:r>
               <a:rPr lang="en-US" dirty="0"/>
-              <a:t>: Median Gene data, Gene composition by tissue,  Amygdala, [what is it for age?]</a:t>
+              <a:t>:  Amygdala,  Annotations used for age data</a:t>
             </a:r>
+          </a:p>
+          <a:p>
+            <a:pPr marL="971550" lvl="1" indent="-285750"/>
+            <a:r>
+              <a:rPr lang="en-US" sz="1800" dirty="0"/>
+              <a:t>Age data is clustered automatically into 10-year chunks, </a:t>
+            </a:r>
+            <a:r>
+              <a:rPr lang="en-US" sz="1800" dirty="0" err="1"/>
+              <a:t>ie</a:t>
+            </a:r>
+            <a:r>
+              <a:rPr lang="en-US" sz="1800" dirty="0"/>
+              <a:t> 0-9,  10-19,  20-29, </a:t>
+            </a:r>
+            <a:r>
+              <a:rPr lang="en-US" sz="1800" dirty="0" err="1"/>
+              <a:t>etc</a:t>
+            </a:r>
+            <a:endParaRPr lang="en-US" sz="1800" dirty="0"/>
           </a:p>
           <a:p>
             <a:pPr marL="285750" indent="-285750">
@@ -14251,7 +14472,7 @@
             </a:r>
             <a:r>
               <a:rPr lang="en-US" dirty="0"/>
-              <a:t>: Data wrangling, heavy use of </a:t>
+              <a:t>:  Data wrangling, heavy use of </a:t>
             </a:r>
             <a:r>
               <a:rPr lang="en-US" i="1" dirty="0" err="1"/>
@@ -14475,31 +14696,6 @@
           </a:p>
         </p:txBody>
       </p:sp>
-      <p:sp>
-        <p:nvSpPr>
-          <p:cNvPr id="8" name="Subtitle 7">
-            <a:extLst>
-              <a:ext uri="{FF2B5EF4-FFF2-40B4-BE49-F238E27FC236}">
-                <a16:creationId xmlns:a16="http://schemas.microsoft.com/office/drawing/2014/main" id="{6450744F-A4B6-FD90-F6DA-4EF9A192E377}"/>
-              </a:ext>
-            </a:extLst>
-          </p:cNvPr>
-          <p:cNvSpPr>
-            <a:spLocks noGrp="1"/>
-          </p:cNvSpPr>
-          <p:nvPr>
-            <p:ph type="subTitle" idx="1"/>
-          </p:nvPr>
-        </p:nvSpPr>
-        <p:spPr/>
-        <p:txBody>
-          <a:bodyPr/>
-          <a:lstStyle/>
-          <a:p>
-            <a:endParaRPr lang="en-US" dirty="0"/>
-          </a:p>
-        </p:txBody>
-      </p:sp>
     </p:spTree>
     <p:extLst>
       <p:ext uri="{BB962C8B-B14F-4D97-AF65-F5344CB8AC3E}">
@@ -14553,80 +14749,46 @@
           <a:p>
             <a:r>
               <a:rPr lang="en-US" dirty="0"/>
-              <a:t>Yippee data</a:t>
+              <a:t>Sliced from 500:600</a:t>
             </a:r>
           </a:p>
         </p:txBody>
       </p:sp>
-      <p:sp>
-        <p:nvSpPr>
-          <p:cNvPr id="3" name="Content Placeholder 2">
+      <p:pic>
+        <p:nvPicPr>
+          <p:cNvPr id="6" name="Content Placeholder 5">
             <a:extLst>
               <a:ext uri="{FF2B5EF4-FFF2-40B4-BE49-F238E27FC236}">
-                <a16:creationId xmlns:a16="http://schemas.microsoft.com/office/drawing/2014/main" id="{41F8B982-0E88-BEB6-2454-9831130B673F}"/>
+                <a16:creationId xmlns:a16="http://schemas.microsoft.com/office/drawing/2014/main" id="{6DC9B0BE-3DB9-E263-8794-33D3D7303CB2}"/>
               </a:ext>
             </a:extLst>
           </p:cNvPr>
-          <p:cNvSpPr>
-            <a:spLocks noGrp="1"/>
-          </p:cNvSpPr>
+          <p:cNvPicPr>
+            <a:picLocks noGrp="1" noChangeAspect="1"/>
+          </p:cNvPicPr>
           <p:nvPr>
             <p:ph sz="half" idx="1"/>
           </p:nvPr>
-        </p:nvSpPr>
-        <p:spPr/>
-        <p:txBody>
-          <a:bodyPr/>
-          <a:lstStyle/>
-          <a:p>
-            <a:r>
-              <a:rPr lang="en-US" dirty="0"/>
-              <a:t>Pictures </a:t>
-            </a:r>
-            <a:r>
-              <a:rPr lang="en-US" dirty="0" err="1"/>
-              <a:t>pictures</a:t>
-            </a:r>
-            <a:endParaRPr lang="en-US" dirty="0"/>
-          </a:p>
-        </p:txBody>
-      </p:sp>
-      <p:sp>
-        <p:nvSpPr>
-          <p:cNvPr id="4" name="Content Placeholder 3">
+        </p:nvPicPr>
+        <p:blipFill>
+          <a:blip r:embed="rId2">
             <a:extLst>
-              <a:ext uri="{FF2B5EF4-FFF2-40B4-BE49-F238E27FC236}">
-                <a16:creationId xmlns:a16="http://schemas.microsoft.com/office/drawing/2014/main" id="{37CCD1B8-087F-8AEA-17D9-F6AC062689FC}"/>
+              <a:ext uri="{28A0092B-C50C-407E-A947-70E740481C1C}">
+                <a14:useLocalDpi xmlns:a14="http://schemas.microsoft.com/office/drawing/2010/main" val="0"/>
               </a:ext>
             </a:extLst>
-          </p:cNvPr>
-          <p:cNvSpPr>
-            <a:spLocks noGrp="1"/>
-          </p:cNvSpPr>
-          <p:nvPr>
-            <p:ph sz="half" idx="2"/>
-          </p:nvPr>
-        </p:nvSpPr>
-        <p:spPr/>
-        <p:txBody>
-          <a:bodyPr/>
-          <a:lstStyle/>
-          <a:p>
-            <a:r>
-              <a:rPr lang="en-US" dirty="0"/>
-              <a:t>Pretend </a:t>
-            </a:r>
-            <a:r>
-              <a:rPr lang="en-US" dirty="0" err="1"/>
-              <a:t>theres</a:t>
-            </a:r>
-            <a:r>
-              <a:rPr lang="en-US" dirty="0"/>
-              <a:t> lots of pictures here</a:t>
-            </a:r>
-          </a:p>
-        </p:txBody>
-      </p:sp>
+          </a:blip>
+          <a:stretch>
+            <a:fillRect/>
+          </a:stretch>
+        </p:blipFill>
+        <p:spPr>
+          <a:xfrm>
+            <a:off x="677863" y="1215275"/>
+            <a:ext cx="10617200" cy="5375142"/>
+          </a:xfrm>
+        </p:spPr>
+      </p:pic>
     </p:spTree>
     <p:extLst>
       <p:ext uri="{BB962C8B-B14F-4D97-AF65-F5344CB8AC3E}">
@@ -14641,6 +14803,199 @@
 </file>
 
 <file path=ppt/slides/slide6.xml><?xml version="1.0" encoding="utf-8"?>
+<p:sld xmlns:a="http://schemas.openxmlformats.org/drawingml/2006/main" xmlns:r="http://schemas.openxmlformats.org/officeDocument/2006/relationships" xmlns:p="http://schemas.openxmlformats.org/presentationml/2006/main">
+  <p:cSld>
+    <p:spTree>
+      <p:nvGrpSpPr>
+        <p:cNvPr id="1" name=""/>
+        <p:cNvGrpSpPr/>
+        <p:nvPr/>
+      </p:nvGrpSpPr>
+      <p:grpSpPr>
+        <a:xfrm>
+          <a:off x="0" y="0"/>
+          <a:ext cx="0" cy="0"/>
+          <a:chOff x="0" y="0"/>
+          <a:chExt cx="0" cy="0"/>
+        </a:xfrm>
+      </p:grpSpPr>
+      <p:sp>
+        <p:nvSpPr>
+          <p:cNvPr id="2" name="Title 1">
+            <a:extLst>
+              <a:ext uri="{FF2B5EF4-FFF2-40B4-BE49-F238E27FC236}">
+                <a16:creationId xmlns:a16="http://schemas.microsoft.com/office/drawing/2014/main" id="{06235DB2-B1DC-02C6-8F2D-F176CD3891B0}"/>
+              </a:ext>
+            </a:extLst>
+          </p:cNvPr>
+          <p:cNvSpPr>
+            <a:spLocks noGrp="1"/>
+          </p:cNvSpPr>
+          <p:nvPr>
+            <p:ph type="title"/>
+          </p:nvPr>
+        </p:nvSpPr>
+        <p:spPr/>
+        <p:txBody>
+          <a:bodyPr>
+            <a:normAutofit/>
+          </a:bodyPr>
+          <a:lstStyle/>
+          <a:p>
+            <a:r>
+              <a:rPr lang="en-US" sz="4800" dirty="0"/>
+              <a:t>Sliced from 700:800</a:t>
+            </a:r>
+          </a:p>
+        </p:txBody>
+      </p:sp>
+      <p:pic>
+        <p:nvPicPr>
+          <p:cNvPr id="5" name="Content Placeholder 4">
+            <a:extLst>
+              <a:ext uri="{FF2B5EF4-FFF2-40B4-BE49-F238E27FC236}">
+                <a16:creationId xmlns:a16="http://schemas.microsoft.com/office/drawing/2014/main" id="{991E5337-B6DD-21C8-7A83-7D0CCBA134E7}"/>
+              </a:ext>
+            </a:extLst>
+          </p:cNvPr>
+          <p:cNvPicPr>
+            <a:picLocks noGrp="1" noChangeAspect="1"/>
+          </p:cNvPicPr>
+          <p:nvPr>
+            <p:ph idx="1"/>
+          </p:nvPr>
+        </p:nvPicPr>
+        <p:blipFill>
+          <a:blip r:embed="rId2">
+            <a:extLst>
+              <a:ext uri="{28A0092B-C50C-407E-A947-70E740481C1C}">
+                <a14:useLocalDpi xmlns:a14="http://schemas.microsoft.com/office/drawing/2010/main" val="0"/>
+              </a:ext>
+            </a:extLst>
+          </a:blip>
+          <a:stretch>
+            <a:fillRect/>
+          </a:stretch>
+        </p:blipFill>
+        <p:spPr>
+          <a:xfrm>
+            <a:off x="645715" y="1146356"/>
+            <a:ext cx="10900569" cy="5518604"/>
+          </a:xfrm>
+        </p:spPr>
+      </p:pic>
+    </p:spTree>
+    <p:extLst>
+      <p:ext uri="{BB962C8B-B14F-4D97-AF65-F5344CB8AC3E}">
+        <p14:creationId xmlns:p14="http://schemas.microsoft.com/office/powerpoint/2010/main" val="214009120"/>
+      </p:ext>
+    </p:extLst>
+  </p:cSld>
+  <p:clrMapOvr>
+    <a:masterClrMapping/>
+  </p:clrMapOvr>
+</p:sld>
+</file>
+
+<file path=ppt/slides/slide7.xml><?xml version="1.0" encoding="utf-8"?>
+<p:sld xmlns:a="http://schemas.openxmlformats.org/drawingml/2006/main" xmlns:r="http://schemas.openxmlformats.org/officeDocument/2006/relationships" xmlns:p="http://schemas.openxmlformats.org/presentationml/2006/main">
+  <p:cSld>
+    <p:spTree>
+      <p:nvGrpSpPr>
+        <p:cNvPr id="1" name=""/>
+        <p:cNvGrpSpPr/>
+        <p:nvPr/>
+      </p:nvGrpSpPr>
+      <p:grpSpPr>
+        <a:xfrm>
+          <a:off x="0" y="0"/>
+          <a:ext cx="0" cy="0"/>
+          <a:chOff x="0" y="0"/>
+          <a:chExt cx="0" cy="0"/>
+        </a:xfrm>
+      </p:grpSpPr>
+      <p:sp>
+        <p:nvSpPr>
+          <p:cNvPr id="2" name="Title 1">
+            <a:extLst>
+              <a:ext uri="{FF2B5EF4-FFF2-40B4-BE49-F238E27FC236}">
+                <a16:creationId xmlns:a16="http://schemas.microsoft.com/office/drawing/2014/main" id="{B47FA853-B650-8909-108A-7763442AF7E6}"/>
+              </a:ext>
+            </a:extLst>
+          </p:cNvPr>
+          <p:cNvSpPr>
+            <a:spLocks noGrp="1"/>
+          </p:cNvSpPr>
+          <p:nvPr>
+            <p:ph type="title"/>
+          </p:nvPr>
+        </p:nvSpPr>
+        <p:spPr>
+          <a:xfrm>
+            <a:off x="550200" y="375268"/>
+            <a:ext cx="11091600" cy="1332000"/>
+          </a:xfrm>
+        </p:spPr>
+        <p:txBody>
+          <a:bodyPr/>
+          <a:lstStyle/>
+          <a:p>
+            <a:r>
+              <a:rPr lang="en-US" dirty="0"/>
+              <a:t>Sliced from 2000:2500 to show patterns</a:t>
+            </a:r>
+          </a:p>
+        </p:txBody>
+      </p:sp>
+      <p:pic>
+        <p:nvPicPr>
+          <p:cNvPr id="5" name="Content Placeholder 4">
+            <a:extLst>
+              <a:ext uri="{FF2B5EF4-FFF2-40B4-BE49-F238E27FC236}">
+                <a16:creationId xmlns:a16="http://schemas.microsoft.com/office/drawing/2014/main" id="{0253C266-2583-22EA-0F2E-8A7E6DB341BF}"/>
+              </a:ext>
+            </a:extLst>
+          </p:cNvPr>
+          <p:cNvPicPr>
+            <a:picLocks noGrp="1" noChangeAspect="1"/>
+          </p:cNvPicPr>
+          <p:nvPr>
+            <p:ph idx="1"/>
+          </p:nvPr>
+        </p:nvPicPr>
+        <p:blipFill>
+          <a:blip r:embed="rId2">
+            <a:extLst>
+              <a:ext uri="{28A0092B-C50C-407E-A947-70E740481C1C}">
+                <a14:useLocalDpi xmlns:a14="http://schemas.microsoft.com/office/drawing/2010/main" val="0"/>
+              </a:ext>
+            </a:extLst>
+          </a:blip>
+          <a:stretch>
+            <a:fillRect/>
+          </a:stretch>
+        </p:blipFill>
+        <p:spPr>
+          <a:xfrm>
+            <a:off x="858520" y="1311028"/>
+            <a:ext cx="10474960" cy="5303132"/>
+          </a:xfrm>
+        </p:spPr>
+      </p:pic>
+    </p:spTree>
+    <p:extLst>
+      <p:ext uri="{BB962C8B-B14F-4D97-AF65-F5344CB8AC3E}">
+        <p14:creationId xmlns:p14="http://schemas.microsoft.com/office/powerpoint/2010/main" val="1027070692"/>
+      </p:ext>
+    </p:extLst>
+  </p:cSld>
+  <p:clrMapOvr>
+    <a:masterClrMapping/>
+  </p:clrMapOvr>
+</p:sld>
+</file>
+
+<file path=ppt/slides/slide8.xml><?xml version="1.0" encoding="utf-8"?>
 <p:sld xmlns:a="http://schemas.openxmlformats.org/drawingml/2006/main" xmlns:r="http://schemas.openxmlformats.org/officeDocument/2006/relationships" xmlns:p="http://schemas.openxmlformats.org/presentationml/2006/main">
   <p:cSld>
     <p:spTree>
@@ -15174,7 +15529,24 @@
           </a:bodyPr>
           <a:lstStyle/>
           <a:p>
-            <a:endParaRPr lang="en-US" dirty="0"/>
+            <a:r>
+              <a:rPr lang="en-US" dirty="0"/>
+              <a:t>Despite what common sense may lead us to conclude, a large number of these gene expressions seemed to </a:t>
+            </a:r>
+            <a:r>
+              <a:rPr lang="en-US" i="1" dirty="0"/>
+              <a:t>increase</a:t>
+            </a:r>
+            <a:r>
+              <a:rPr lang="en-US" dirty="0"/>
+              <a:t> with age rather than decrease. </a:t>
+            </a:r>
+          </a:p>
+          <a:p>
+            <a:r>
+              <a:rPr lang="en-US" dirty="0"/>
+              <a:t>We don’t currently have enough evidence to state any causation behind this, if there is one. </a:t>
+            </a:r>
           </a:p>
         </p:txBody>
       </p:sp>
@@ -15308,7 +15680,7 @@
 </p:sld>
 </file>
 
-<file path=ppt/slides/slide7.xml><?xml version="1.0" encoding="utf-8"?>
+<file path=ppt/slides/slide9.xml><?xml version="1.0" encoding="utf-8"?>
 <p:sld xmlns:a="http://schemas.openxmlformats.org/drawingml/2006/main" xmlns:r="http://schemas.openxmlformats.org/officeDocument/2006/relationships" xmlns:p="http://schemas.openxmlformats.org/presentationml/2006/main">
   <p:cSld>
     <p:spTree>
@@ -15327,10 +15699,10 @@
       </p:grpSpPr>
       <p:sp>
         <p:nvSpPr>
-          <p:cNvPr id="3" name="Title 2">
+          <p:cNvPr id="2" name="Title 1">
             <a:extLst>
               <a:ext uri="{FF2B5EF4-FFF2-40B4-BE49-F238E27FC236}">
-                <a16:creationId xmlns:a16="http://schemas.microsoft.com/office/drawing/2014/main" id="{A0034E89-1952-5288-08A0-70A4A73BE39E}"/>
+                <a16:creationId xmlns:a16="http://schemas.microsoft.com/office/drawing/2014/main" id="{4068305E-230D-858B-F0DF-87E7B9914430}"/>
               </a:ext>
             </a:extLst>
           </p:cNvPr>
@@ -15338,56 +15710,67 @@
             <a:spLocks noGrp="1"/>
           </p:cNvSpPr>
           <p:nvPr>
-            <p:ph type="ctrTitle"/>
+            <p:ph type="title"/>
           </p:nvPr>
         </p:nvSpPr>
-        <p:spPr>
-          <a:noFill/>
-        </p:spPr>
+        <p:spPr/>
         <p:txBody>
-          <a:bodyPr anchor="ctr"/>
+          <a:bodyPr/>
           <a:lstStyle/>
           <a:p>
             <a:r>
               <a:rPr lang="en-US" dirty="0"/>
-              <a:t>The end! Thank you!</a:t>
+              <a:t>The future</a:t>
             </a:r>
           </a:p>
         </p:txBody>
       </p:sp>
-      <p:pic>
-        <p:nvPicPr>
-          <p:cNvPr id="11" name="Picture Placeholder 15" descr="Data points digital background">
+      <p:sp>
+        <p:nvSpPr>
+          <p:cNvPr id="3" name="Content Placeholder 2">
             <a:extLst>
               <a:ext uri="{FF2B5EF4-FFF2-40B4-BE49-F238E27FC236}">
-                <a16:creationId xmlns:a16="http://schemas.microsoft.com/office/drawing/2014/main" id="{A496DCE5-C34A-22C2-A9D8-E90DFC8CE86C}"/>
+                <a16:creationId xmlns:a16="http://schemas.microsoft.com/office/drawing/2014/main" id="{B23BFCE0-1831-38B3-7620-BCE441499172}"/>
               </a:ext>
             </a:extLst>
           </p:cNvPr>
-          <p:cNvPicPr>
-            <a:picLocks noGrp="1" noChangeAspect="1"/>
-          </p:cNvPicPr>
+          <p:cNvSpPr>
+            <a:spLocks noGrp="1"/>
+          </p:cNvSpPr>
           <p:nvPr>
-            <p:ph type="pic" sz="quarter" idx="13"/>
+            <p:ph sz="quarter" idx="13"/>
           </p:nvPr>
-        </p:nvPicPr>
-        <p:blipFill rotWithShape="1">
-          <a:blip r:embed="rId3" cstate="screen">
-            <a:extLst>
-              <a:ext uri="{28A0092B-C50C-407E-A947-70E740481C1C}">
-                <a14:useLocalDpi xmlns:a14="http://schemas.microsoft.com/office/drawing/2010/main" val="0"/>
-              </a:ext>
-            </a:extLst>
-          </a:blip>
-          <a:srcRect t="52" b="52"/>
-          <a:stretch/>
-        </p:blipFill>
+        </p:nvSpPr>
         <p:spPr/>
-      </p:pic>
+        <p:txBody>
+          <a:bodyPr/>
+          <a:lstStyle/>
+          <a:p>
+            <a:pPr marL="285750" indent="-285750">
+              <a:buFont typeface="Arial" panose="020B0604020202020204" pitchFamily="34" charset="0"/>
+              <a:buChar char="•"/>
+            </a:pPr>
+            <a:r>
+              <a:rPr lang="en-US" dirty="0"/>
+              <a:t>Explore other regions such as the hippocampus</a:t>
+            </a:r>
+          </a:p>
+          <a:p>
+            <a:pPr marL="285750" indent="-285750">
+              <a:buFont typeface="Arial" panose="020B0604020202020204" pitchFamily="34" charset="0"/>
+              <a:buChar char="•"/>
+            </a:pPr>
+            <a:r>
+              <a:rPr lang="en-US" dirty="0"/>
+              <a:t>Focus on gene groups specifically related to aging</a:t>
+            </a:r>
+          </a:p>
+        </p:txBody>
+      </p:sp>
     </p:spTree>
     <p:extLst>
       <p:ext uri="{BB962C8B-B14F-4D97-AF65-F5344CB8AC3E}">
-        <p14:creationId xmlns:p14="http://schemas.microsoft.com/office/powerpoint/2010/main" val="1839748091"/>
+        <p14:creationId xmlns:p14="http://schemas.microsoft.com/office/powerpoint/2010/main" val="2844612185"/>
       </p:ext>
     </p:extLst>
   </p:cSld>
@@ -16189,26 +16572,6 @@
 </file>
 
 <file path=customXml/item1.xml><?xml version="1.0" encoding="utf-8"?>
-<p:properties xmlns:p="http://schemas.microsoft.com/office/2006/metadata/properties" xmlns:xsi="http://www.w3.org/2001/XMLSchema-instance" xmlns:pc="http://schemas.microsoft.com/office/infopath/2007/PartnerControls">
-  <documentManagement>
-    <_ip_UnifiedCompliancePolicyUIAction xmlns="http://schemas.microsoft.com/sharepoint/v3" xsi:nil="true"/>
-    <Image xmlns="71af3243-3dd4-4a8d-8c0d-dd76da1f02a5">
-      <Url xsi:nil="true"/>
-      <Description xsi:nil="true"/>
-    </Image>
-    <Status xmlns="71af3243-3dd4-4a8d-8c0d-dd76da1f02a5">Not started</Status>
-    <Background xmlns="71af3243-3dd4-4a8d-8c0d-dd76da1f02a5">false</Background>
-    <_ip_UnifiedCompliancePolicyProperties xmlns="http://schemas.microsoft.com/sharepoint/v3" xsi:nil="true"/>
-    <ImageTagsTaxHTField xmlns="71af3243-3dd4-4a8d-8c0d-dd76da1f02a5">
-      <Terms xmlns="http://schemas.microsoft.com/office/infopath/2007/PartnerControls"/>
-    </ImageTagsTaxHTField>
-    <TaxCatchAll xmlns="230e9df3-be65-4c73-a93b-d1236ebd677e" xsi:nil="true"/>
-    <MediaServiceKeyPoints xmlns="71af3243-3dd4-4a8d-8c0d-dd76da1f02a5" xsi:nil="true"/>
-  </documentManagement>
-</p:properties>
-</file>
-
-<file path=customXml/item2.xml><?xml version="1.0" encoding="utf-8"?>
 <ct:contentTypeSchema xmlns:ct="http://schemas.microsoft.com/office/2006/metadata/contentType" xmlns:ma="http://schemas.microsoft.com/office/2006/metadata/properties/metaAttributes" ct:_="" ma:_="" ma:contentTypeName="Document" ma:contentTypeID="0x01010079F111ED35F8CC479449609E8A0923A6" ma:contentTypeVersion="28" ma:contentTypeDescription="Create a new document." ma:contentTypeScope="" ma:versionID="60f5a4f2d2b0abadcf532d48ebf9cb71">
   <xsd:schema xmlns:xsd="http://www.w3.org/2001/XMLSchema" xmlns:xs="http://www.w3.org/2001/XMLSchema" xmlns:p="http://schemas.microsoft.com/office/2006/metadata/properties" xmlns:ns1="http://schemas.microsoft.com/sharepoint/v3" xmlns:ns2="71af3243-3dd4-4a8d-8c0d-dd76da1f02a5" xmlns:ns3="16c05727-aa75-4e4a-9b5f-8a80a1165891" xmlns:ns4="230e9df3-be65-4c73-a93b-d1236ebd677e" targetNamespace="http://schemas.microsoft.com/office/2006/metadata/properties" ma:root="true" ma:fieldsID="7dd78129e6a1811f84807ad11c651531" ns1:_="" ns2:_="" ns3:_="" ns4:_="">
     <xsd:import namespace="http://schemas.microsoft.com/sharepoint/v3"/>
@@ -16520,6 +16883,26 @@
 </ct:contentTypeSchema>
 </file>
 
+<file path=customXml/item2.xml><?xml version="1.0" encoding="utf-8"?>
+<p:properties xmlns:p="http://schemas.microsoft.com/office/2006/metadata/properties" xmlns:xsi="http://www.w3.org/2001/XMLSchema-instance" xmlns:pc="http://schemas.microsoft.com/office/infopath/2007/PartnerControls">
+  <documentManagement>
+    <_ip_UnifiedCompliancePolicyUIAction xmlns="http://schemas.microsoft.com/sharepoint/v3" xsi:nil="true"/>
+    <Image xmlns="71af3243-3dd4-4a8d-8c0d-dd76da1f02a5">
+      <Url xsi:nil="true"/>
+      <Description xsi:nil="true"/>
+    </Image>
+    <Status xmlns="71af3243-3dd4-4a8d-8c0d-dd76da1f02a5">Not started</Status>
+    <Background xmlns="71af3243-3dd4-4a8d-8c0d-dd76da1f02a5">false</Background>
+    <_ip_UnifiedCompliancePolicyProperties xmlns="http://schemas.microsoft.com/sharepoint/v3" xsi:nil="true"/>
+    <ImageTagsTaxHTField xmlns="71af3243-3dd4-4a8d-8c0d-dd76da1f02a5">
+      <Terms xmlns="http://schemas.microsoft.com/office/infopath/2007/PartnerControls"/>
+    </ImageTagsTaxHTField>
+    <TaxCatchAll xmlns="230e9df3-be65-4c73-a93b-d1236ebd677e" xsi:nil="true"/>
+    <MediaServiceKeyPoints xmlns="71af3243-3dd4-4a8d-8c0d-dd76da1f02a5" xsi:nil="true"/>
+  </documentManagement>
+</p:properties>
+</file>
+
 <file path=customXml/item3.xml><?xml version="1.0" encoding="utf-8"?>
 <?mso-contentType ?>
 <FormTemplates xmlns="http://schemas.microsoft.com/sharepoint/v3/contenttype/forms">
@@ -16530,25 +16913,6 @@
 </file>
 
 <file path=customXml/itemProps1.xml><?xml version="1.0" encoding="utf-8"?>
-<ds:datastoreItem xmlns:ds="http://schemas.openxmlformats.org/officeDocument/2006/customXml" ds:itemID="{1F342EE1-43E5-4AFB-895D-B61B9656DC14}">
-  <ds:schemaRefs>
-    <ds:schemaRef ds:uri="http://schemas.microsoft.com/office/2006/documentManagement/types"/>
-    <ds:schemaRef ds:uri="http://schemas.microsoft.com/sharepoint/v3"/>
-    <ds:schemaRef ds:uri="http://purl.org/dc/dcmitype/"/>
-    <ds:schemaRef ds:uri="http://purl.org/dc/elements/1.1/"/>
-    <ds:schemaRef ds:uri="http://purl.org/dc/terms/"/>
-    <ds:schemaRef ds:uri="http://schemas.microsoft.com/office/infopath/2007/PartnerControls"/>
-    <ds:schemaRef ds:uri="http://schemas.microsoft.com/office/2006/metadata/properties"/>
-    <ds:schemaRef ds:uri="http://www.w3.org/XML/1998/namespace"/>
-    <ds:schemaRef ds:uri="http://schemas.openxmlformats.org/package/2006/metadata/core-properties"/>
-    <ds:schemaRef ds:uri="230e9df3-be65-4c73-a93b-d1236ebd677e"/>
-    <ds:schemaRef ds:uri="16c05727-aa75-4e4a-9b5f-8a80a1165891"/>
-    <ds:schemaRef ds:uri="71af3243-3dd4-4a8d-8c0d-dd76da1f02a5"/>
-  </ds:schemaRefs>
-</ds:datastoreItem>
-</file>
-
-<file path=customXml/itemProps2.xml><?xml version="1.0" encoding="utf-8"?>
 <ds:datastoreItem xmlns:ds="http://schemas.openxmlformats.org/officeDocument/2006/customXml" ds:itemID="{797783A8-901D-4F73-81D7-AA6841BEB3D7}">
   <ds:schemaRefs>
     <ds:schemaRef ds:uri="http://schemas.microsoft.com/office/2006/metadata/contentType"/>
@@ -16569,6 +16933,25 @@
 </ds:datastoreItem>
 </file>
 
+<file path=customXml/itemProps2.xml><?xml version="1.0" encoding="utf-8"?>
+<ds:datastoreItem xmlns:ds="http://schemas.openxmlformats.org/officeDocument/2006/customXml" ds:itemID="{1F342EE1-43E5-4AFB-895D-B61B9656DC14}">
+  <ds:schemaRefs>
+    <ds:schemaRef ds:uri="http://schemas.microsoft.com/office/2006/documentManagement/types"/>
+    <ds:schemaRef ds:uri="http://schemas.microsoft.com/sharepoint/v3"/>
+    <ds:schemaRef ds:uri="http://purl.org/dc/dcmitype/"/>
+    <ds:schemaRef ds:uri="http://purl.org/dc/elements/1.1/"/>
+    <ds:schemaRef ds:uri="http://purl.org/dc/terms/"/>
+    <ds:schemaRef ds:uri="http://schemas.microsoft.com/office/infopath/2007/PartnerControls"/>
+    <ds:schemaRef ds:uri="http://schemas.microsoft.com/office/2006/metadata/properties"/>
+    <ds:schemaRef ds:uri="http://www.w3.org/XML/1998/namespace"/>
+    <ds:schemaRef ds:uri="http://schemas.openxmlformats.org/package/2006/metadata/core-properties"/>
+    <ds:schemaRef ds:uri="230e9df3-be65-4c73-a93b-d1236ebd677e"/>
+    <ds:schemaRef ds:uri="16c05727-aa75-4e4a-9b5f-8a80a1165891"/>
+    <ds:schemaRef ds:uri="71af3243-3dd4-4a8d-8c0d-dd76da1f02a5"/>
+  </ds:schemaRefs>
+</ds:datastoreItem>
+</file>
+
 <file path=customXml/itemProps3.xml><?xml version="1.0" encoding="utf-8"?>
 <ds:datastoreItem xmlns:ds="http://schemas.openxmlformats.org/officeDocument/2006/customXml" ds:itemID="{2F49CD38-5B57-4682-9FCE-B9174068D0AE}">
   <ds:schemaRefs>

--- a/R Coding presentation.pptx
+++ b/R Coding presentation.pptx
@@ -154,7 +154,7 @@
   <pc:docChgLst>
     <pc:chgData name="Karl Mayo" userId="b3124e7553db0db4" providerId="LiveId" clId="{6FA7D248-6136-41E0-A1EB-A7AB1F7893AC}"/>
     <pc:docChg chg="undo custSel addSld delSld modSld sldOrd">
-      <pc:chgData name="Karl Mayo" userId="b3124e7553db0db4" providerId="LiveId" clId="{6FA7D248-6136-41E0-A1EB-A7AB1F7893AC}" dt="2025-05-08T13:51:54.541" v="1871" actId="20577"/>
+      <pc:chgData name="Karl Mayo" userId="b3124e7553db0db4" providerId="LiveId" clId="{6FA7D248-6136-41E0-A1EB-A7AB1F7893AC}" dt="2025-05-08T14:44:22.086" v="2142" actId="20577"/>
       <pc:docMkLst>
         <pc:docMk/>
       </pc:docMkLst>
@@ -189,7 +189,7 @@
         </pc:spChg>
       </pc:sldChg>
       <pc:sldChg chg="modSp mod">
-        <pc:chgData name="Karl Mayo" userId="b3124e7553db0db4" providerId="LiveId" clId="{6FA7D248-6136-41E0-A1EB-A7AB1F7893AC}" dt="2025-05-08T13:18:42.076" v="1344" actId="403"/>
+        <pc:chgData name="Karl Mayo" userId="b3124e7553db0db4" providerId="LiveId" clId="{6FA7D248-6136-41E0-A1EB-A7AB1F7893AC}" dt="2025-05-08T14:29:05.142" v="2140" actId="20577"/>
         <pc:sldMkLst>
           <pc:docMk/>
           <pc:sldMk cId="2665045518" sldId="282"/>
@@ -203,7 +203,7 @@
           </ac:spMkLst>
         </pc:spChg>
         <pc:spChg chg="mod">
-          <ac:chgData name="Karl Mayo" userId="b3124e7553db0db4" providerId="LiveId" clId="{6FA7D248-6136-41E0-A1EB-A7AB1F7893AC}" dt="2025-05-08T13:18:42.076" v="1344" actId="403"/>
+          <ac:chgData name="Karl Mayo" userId="b3124e7553db0db4" providerId="LiveId" clId="{6FA7D248-6136-41E0-A1EB-A7AB1F7893AC}" dt="2025-05-08T14:29:05.142" v="2140" actId="20577"/>
           <ac:spMkLst>
             <pc:docMk/>
             <pc:sldMk cId="2665045518" sldId="282"/>
@@ -346,7 +346,7 @@
         </pc:spChg>
       </pc:sldChg>
       <pc:sldChg chg="modSp new mod">
-        <pc:chgData name="Karl Mayo" userId="b3124e7553db0db4" providerId="LiveId" clId="{6FA7D248-6136-41E0-A1EB-A7AB1F7893AC}" dt="2025-05-07T23:56:01.990" v="1174" actId="255"/>
+        <pc:chgData name="Karl Mayo" userId="b3124e7553db0db4" providerId="LiveId" clId="{6FA7D248-6136-41E0-A1EB-A7AB1F7893AC}" dt="2025-05-08T14:25:38.236" v="2136" actId="20577"/>
         <pc:sldMkLst>
           <pc:docMk/>
           <pc:sldMk cId="1384531614" sldId="293"/>
@@ -360,7 +360,7 @@
           </ac:spMkLst>
         </pc:spChg>
         <pc:spChg chg="mod">
-          <ac:chgData name="Karl Mayo" userId="b3124e7553db0db4" providerId="LiveId" clId="{6FA7D248-6136-41E0-A1EB-A7AB1F7893AC}" dt="2025-05-07T23:56:01.990" v="1174" actId="255"/>
+          <ac:chgData name="Karl Mayo" userId="b3124e7553db0db4" providerId="LiveId" clId="{6FA7D248-6136-41E0-A1EB-A7AB1F7893AC}" dt="2025-05-08T14:25:38.236" v="2136" actId="20577"/>
           <ac:spMkLst>
             <pc:docMk/>
             <pc:sldMk cId="1384531614" sldId="293"/>
@@ -447,13 +447,13 @@
         </pc:picChg>
       </pc:sldChg>
       <pc:sldChg chg="modSp new mod">
-        <pc:chgData name="Karl Mayo" userId="b3124e7553db0db4" providerId="LiveId" clId="{6FA7D248-6136-41E0-A1EB-A7AB1F7893AC}" dt="2025-05-08T13:51:54.541" v="1871" actId="20577"/>
+        <pc:chgData name="Karl Mayo" userId="b3124e7553db0db4" providerId="LiveId" clId="{6FA7D248-6136-41E0-A1EB-A7AB1F7893AC}" dt="2025-05-08T14:44:22.086" v="2142" actId="20577"/>
         <pc:sldMkLst>
           <pc:docMk/>
           <pc:sldMk cId="2844612185" sldId="296"/>
         </pc:sldMkLst>
         <pc:spChg chg="mod">
-          <ac:chgData name="Karl Mayo" userId="b3124e7553db0db4" providerId="LiveId" clId="{6FA7D248-6136-41E0-A1EB-A7AB1F7893AC}" dt="2025-05-08T13:36:57.355" v="1586" actId="20577"/>
+          <ac:chgData name="Karl Mayo" userId="b3124e7553db0db4" providerId="LiveId" clId="{6FA7D248-6136-41E0-A1EB-A7AB1F7893AC}" dt="2025-05-08T14:44:22.086" v="2142" actId="20577"/>
           <ac:spMkLst>
             <pc:docMk/>
             <pc:sldMk cId="2844612185" sldId="296"/>
@@ -461,7 +461,7 @@
           </ac:spMkLst>
         </pc:spChg>
         <pc:spChg chg="mod">
-          <ac:chgData name="Karl Mayo" userId="b3124e7553db0db4" providerId="LiveId" clId="{6FA7D248-6136-41E0-A1EB-A7AB1F7893AC}" dt="2025-05-08T13:51:54.541" v="1871" actId="20577"/>
+          <ac:chgData name="Karl Mayo" userId="b3124e7553db0db4" providerId="LiveId" clId="{6FA7D248-6136-41E0-A1EB-A7AB1F7893AC}" dt="2025-05-08T14:22:15.662" v="2057" actId="20577"/>
           <ac:spMkLst>
             <pc:docMk/>
             <pc:sldMk cId="2844612185" sldId="296"/>
@@ -14424,7 +14424,7 @@
             </a:r>
             <a:r>
               <a:rPr lang="en-US" dirty="0"/>
-              <a:t>:  See if there are any interesting differences in the amygdala based on</a:t>
+              <a:t>:  See if there are any interesting differences in the amygdala based on age</a:t>
             </a:r>
           </a:p>
           <a:p>
@@ -14578,13 +14578,13 @@
             <a:pPr lvl="1"/>
             <a:r>
               <a:rPr lang="en-US" sz="1800" dirty="0"/>
-              <a:t>Includes function to automatically create comment indicators rather than by hand</a:t>
+              <a:t>Includes commenting out shape data of the given matrices</a:t>
             </a:r>
           </a:p>
           <a:p>
             <a:r>
               <a:rPr lang="en-US" dirty="0"/>
-              <a:t>Combine amygdala and age data</a:t>
+              <a:t>Combine amygdala and annotations data</a:t>
             </a:r>
           </a:p>
           <a:p>
@@ -14597,13 +14597,13 @@
           <a:p>
             <a:r>
               <a:rPr lang="en-US" dirty="0"/>
-              <a:t>Sort by age range (in decades)</a:t>
+              <a:t>Take the average of each gene in each age range</a:t>
             </a:r>
           </a:p>
           <a:p>
             <a:r>
               <a:rPr lang="en-US" dirty="0"/>
-              <a:t>Make heat map based on those age ranges</a:t>
+              <a:t>Make heat map based on those age range averages</a:t>
             </a:r>
           </a:p>
         </p:txBody>
@@ -15764,6 +15764,30 @@
               <a:rPr lang="en-US" dirty="0"/>
               <a:t>Focus on gene groups specifically related to aging</a:t>
             </a:r>
+          </a:p>
+          <a:p>
+            <a:pPr marL="285750" indent="-285750">
+              <a:buFont typeface="Arial" panose="020B0604020202020204" pitchFamily="34" charset="0"/>
+              <a:buChar char="•"/>
+            </a:pPr>
+            <a:r>
+              <a:rPr lang="en-US" dirty="0"/>
+              <a:t>Isolate genes with high variation across age ranges</a:t>
+            </a:r>
+          </a:p>
+          <a:p>
+            <a:pPr marL="285750" indent="-285750">
+              <a:buFont typeface="Arial" panose="020B0604020202020204" pitchFamily="34" charset="0"/>
+              <a:buChar char="•"/>
+            </a:pPr>
+            <a:endParaRPr lang="en-US" dirty="0"/>
+          </a:p>
+          <a:p>
+            <a:pPr marL="285750" indent="-285750">
+              <a:buFont typeface="Arial" panose="020B0604020202020204" pitchFamily="34" charset="0"/>
+              <a:buChar char="•"/>
+            </a:pPr>
+            <a:endParaRPr lang="en-US" dirty="0"/>
           </a:p>
         </p:txBody>
       </p:sp>
@@ -16572,6 +16596,26 @@
 </file>
 
 <file path=customXml/item1.xml><?xml version="1.0" encoding="utf-8"?>
+<p:properties xmlns:p="http://schemas.microsoft.com/office/2006/metadata/properties" xmlns:xsi="http://www.w3.org/2001/XMLSchema-instance" xmlns:pc="http://schemas.microsoft.com/office/infopath/2007/PartnerControls">
+  <documentManagement>
+    <_ip_UnifiedCompliancePolicyUIAction xmlns="http://schemas.microsoft.com/sharepoint/v3" xsi:nil="true"/>
+    <Image xmlns="71af3243-3dd4-4a8d-8c0d-dd76da1f02a5">
+      <Url xsi:nil="true"/>
+      <Description xsi:nil="true"/>
+    </Image>
+    <Status xmlns="71af3243-3dd4-4a8d-8c0d-dd76da1f02a5">Not started</Status>
+    <Background xmlns="71af3243-3dd4-4a8d-8c0d-dd76da1f02a5">false</Background>
+    <_ip_UnifiedCompliancePolicyProperties xmlns="http://schemas.microsoft.com/sharepoint/v3" xsi:nil="true"/>
+    <ImageTagsTaxHTField xmlns="71af3243-3dd4-4a8d-8c0d-dd76da1f02a5">
+      <Terms xmlns="http://schemas.microsoft.com/office/infopath/2007/PartnerControls"/>
+    </ImageTagsTaxHTField>
+    <TaxCatchAll xmlns="230e9df3-be65-4c73-a93b-d1236ebd677e" xsi:nil="true"/>
+    <MediaServiceKeyPoints xmlns="71af3243-3dd4-4a8d-8c0d-dd76da1f02a5" xsi:nil="true"/>
+  </documentManagement>
+</p:properties>
+</file>
+
+<file path=customXml/item2.xml><?xml version="1.0" encoding="utf-8"?>
 <ct:contentTypeSchema xmlns:ct="http://schemas.microsoft.com/office/2006/metadata/contentType" xmlns:ma="http://schemas.microsoft.com/office/2006/metadata/properties/metaAttributes" ct:_="" ma:_="" ma:contentTypeName="Document" ma:contentTypeID="0x01010079F111ED35F8CC479449609E8A0923A6" ma:contentTypeVersion="28" ma:contentTypeDescription="Create a new document." ma:contentTypeScope="" ma:versionID="60f5a4f2d2b0abadcf532d48ebf9cb71">
   <xsd:schema xmlns:xsd="http://www.w3.org/2001/XMLSchema" xmlns:xs="http://www.w3.org/2001/XMLSchema" xmlns:p="http://schemas.microsoft.com/office/2006/metadata/properties" xmlns:ns1="http://schemas.microsoft.com/sharepoint/v3" xmlns:ns2="71af3243-3dd4-4a8d-8c0d-dd76da1f02a5" xmlns:ns3="16c05727-aa75-4e4a-9b5f-8a80a1165891" xmlns:ns4="230e9df3-be65-4c73-a93b-d1236ebd677e" targetNamespace="http://schemas.microsoft.com/office/2006/metadata/properties" ma:root="true" ma:fieldsID="7dd78129e6a1811f84807ad11c651531" ns1:_="" ns2:_="" ns3:_="" ns4:_="">
     <xsd:import namespace="http://schemas.microsoft.com/sharepoint/v3"/>
@@ -16883,26 +16927,6 @@
 </ct:contentTypeSchema>
 </file>
 
-<file path=customXml/item2.xml><?xml version="1.0" encoding="utf-8"?>
-<p:properties xmlns:p="http://schemas.microsoft.com/office/2006/metadata/properties" xmlns:xsi="http://www.w3.org/2001/XMLSchema-instance" xmlns:pc="http://schemas.microsoft.com/office/infopath/2007/PartnerControls">
-  <documentManagement>
-    <_ip_UnifiedCompliancePolicyUIAction xmlns="http://schemas.microsoft.com/sharepoint/v3" xsi:nil="true"/>
-    <Image xmlns="71af3243-3dd4-4a8d-8c0d-dd76da1f02a5">
-      <Url xsi:nil="true"/>
-      <Description xsi:nil="true"/>
-    </Image>
-    <Status xmlns="71af3243-3dd4-4a8d-8c0d-dd76da1f02a5">Not started</Status>
-    <Background xmlns="71af3243-3dd4-4a8d-8c0d-dd76da1f02a5">false</Background>
-    <_ip_UnifiedCompliancePolicyProperties xmlns="http://schemas.microsoft.com/sharepoint/v3" xsi:nil="true"/>
-    <ImageTagsTaxHTField xmlns="71af3243-3dd4-4a8d-8c0d-dd76da1f02a5">
-      <Terms xmlns="http://schemas.microsoft.com/office/infopath/2007/PartnerControls"/>
-    </ImageTagsTaxHTField>
-    <TaxCatchAll xmlns="230e9df3-be65-4c73-a93b-d1236ebd677e" xsi:nil="true"/>
-    <MediaServiceKeyPoints xmlns="71af3243-3dd4-4a8d-8c0d-dd76da1f02a5" xsi:nil="true"/>
-  </documentManagement>
-</p:properties>
-</file>
-
 <file path=customXml/item3.xml><?xml version="1.0" encoding="utf-8"?>
 <?mso-contentType ?>
 <FormTemplates xmlns="http://schemas.microsoft.com/sharepoint/v3/contenttype/forms">
@@ -16913,6 +16937,25 @@
 </file>
 
 <file path=customXml/itemProps1.xml><?xml version="1.0" encoding="utf-8"?>
+<ds:datastoreItem xmlns:ds="http://schemas.openxmlformats.org/officeDocument/2006/customXml" ds:itemID="{1F342EE1-43E5-4AFB-895D-B61B9656DC14}">
+  <ds:schemaRefs>
+    <ds:schemaRef ds:uri="http://schemas.microsoft.com/office/2006/documentManagement/types"/>
+    <ds:schemaRef ds:uri="http://schemas.microsoft.com/sharepoint/v3"/>
+    <ds:schemaRef ds:uri="http://purl.org/dc/dcmitype/"/>
+    <ds:schemaRef ds:uri="http://purl.org/dc/elements/1.1/"/>
+    <ds:schemaRef ds:uri="http://purl.org/dc/terms/"/>
+    <ds:schemaRef ds:uri="http://schemas.microsoft.com/office/infopath/2007/PartnerControls"/>
+    <ds:schemaRef ds:uri="http://schemas.microsoft.com/office/2006/metadata/properties"/>
+    <ds:schemaRef ds:uri="http://www.w3.org/XML/1998/namespace"/>
+    <ds:schemaRef ds:uri="http://schemas.openxmlformats.org/package/2006/metadata/core-properties"/>
+    <ds:schemaRef ds:uri="230e9df3-be65-4c73-a93b-d1236ebd677e"/>
+    <ds:schemaRef ds:uri="16c05727-aa75-4e4a-9b5f-8a80a1165891"/>
+    <ds:schemaRef ds:uri="71af3243-3dd4-4a8d-8c0d-dd76da1f02a5"/>
+  </ds:schemaRefs>
+</ds:datastoreItem>
+</file>
+
+<file path=customXml/itemProps2.xml><?xml version="1.0" encoding="utf-8"?>
 <ds:datastoreItem xmlns:ds="http://schemas.openxmlformats.org/officeDocument/2006/customXml" ds:itemID="{797783A8-901D-4F73-81D7-AA6841BEB3D7}">
   <ds:schemaRefs>
     <ds:schemaRef ds:uri="http://schemas.microsoft.com/office/2006/metadata/contentType"/>
@@ -16933,25 +16976,6 @@
 </ds:datastoreItem>
 </file>
 
-<file path=customXml/itemProps2.xml><?xml version="1.0" encoding="utf-8"?>
-<ds:datastoreItem xmlns:ds="http://schemas.openxmlformats.org/officeDocument/2006/customXml" ds:itemID="{1F342EE1-43E5-4AFB-895D-B61B9656DC14}">
-  <ds:schemaRefs>
-    <ds:schemaRef ds:uri="http://schemas.microsoft.com/office/2006/documentManagement/types"/>
-    <ds:schemaRef ds:uri="http://schemas.microsoft.com/sharepoint/v3"/>
-    <ds:schemaRef ds:uri="http://purl.org/dc/dcmitype/"/>
-    <ds:schemaRef ds:uri="http://purl.org/dc/elements/1.1/"/>
-    <ds:schemaRef ds:uri="http://purl.org/dc/terms/"/>
-    <ds:schemaRef ds:uri="http://schemas.microsoft.com/office/infopath/2007/PartnerControls"/>
-    <ds:schemaRef ds:uri="http://schemas.microsoft.com/office/2006/metadata/properties"/>
-    <ds:schemaRef ds:uri="http://www.w3.org/XML/1998/namespace"/>
-    <ds:schemaRef ds:uri="http://schemas.openxmlformats.org/package/2006/metadata/core-properties"/>
-    <ds:schemaRef ds:uri="230e9df3-be65-4c73-a93b-d1236ebd677e"/>
-    <ds:schemaRef ds:uri="16c05727-aa75-4e4a-9b5f-8a80a1165891"/>
-    <ds:schemaRef ds:uri="71af3243-3dd4-4a8d-8c0d-dd76da1f02a5"/>
-  </ds:schemaRefs>
-</ds:datastoreItem>
-</file>
-
 <file path=customXml/itemProps3.xml><?xml version="1.0" encoding="utf-8"?>
 <ds:datastoreItem xmlns:ds="http://schemas.openxmlformats.org/officeDocument/2006/customXml" ds:itemID="{2F49CD38-5B57-4682-9FCE-B9174068D0AE}">
   <ds:schemaRefs>
